--- a/ProjectGallery - защита.pptx
+++ b/ProjectGallery - защита.pptx
@@ -112,6 +112,11 @@
       </a:defRPr>
     </a:lvl9pPr>
   </p:defaultTextStyle>
+  <p:extLst>
+    <p:ext uri="{EFAFB233-063F-42B5-8137-9DF3F51BA10A}">
+      <p15:sldGuideLst xmlns:p15="http://schemas.microsoft.com/office/powerpoint/2012/main"/>
+    </p:ext>
+  </p:extLst>
 </p:presentation>
 </file>
 
@@ -165,7 +170,7 @@
           <a:noFill/>
           <a:extLst>
             <a:ext uri="{909E8E84-426E-40dd-AFC4-6F175D3DCCD1}">
-              <a14:hiddenFill xmlns:a14="http://schemas.microsoft.com/office/drawing/2010/main" xmlns="">
+              <a14:hiddenFill xmlns="" xmlns:a14="http://schemas.microsoft.com/office/drawing/2010/main">
                 <a:solidFill>
                   <a:srgbClr val="FFFFFF"/>
                 </a:solidFill>
@@ -225,7 +230,7 @@
             </a:ln>
             <a:extLst>
               <a:ext uri="{91240B29-F687-4f45-9708-019B960494DF}">
-                <a14:hiddenLine xmlns:a14="http://schemas.microsoft.com/office/drawing/2010/main" xmlns="" w="9525">
+                <a14:hiddenLine xmlns="" xmlns:a14="http://schemas.microsoft.com/office/drawing/2010/main" w="9525">
                   <a:solidFill>
                     <a:srgbClr val="000000"/>
                   </a:solidFill>
@@ -315,7 +320,7 @@
             </a:ln>
             <a:extLst>
               <a:ext uri="{91240B29-F687-4f45-9708-019B960494DF}">
-                <a14:hiddenLine xmlns:a14="http://schemas.microsoft.com/office/drawing/2010/main" xmlns="" w="9525">
+                <a14:hiddenLine xmlns="" xmlns:a14="http://schemas.microsoft.com/office/drawing/2010/main" w="9525">
                   <a:solidFill>
                     <a:srgbClr val="000000"/>
                   </a:solidFill>
@@ -405,7 +410,7 @@
             </a:ln>
             <a:extLst>
               <a:ext uri="{91240B29-F687-4f45-9708-019B960494DF}">
-                <a14:hiddenLine xmlns:a14="http://schemas.microsoft.com/office/drawing/2010/main" xmlns="" w="9525">
+                <a14:hiddenLine xmlns="" xmlns:a14="http://schemas.microsoft.com/office/drawing/2010/main" w="9525">
                   <a:solidFill>
                     <a:srgbClr val="000000"/>
                   </a:solidFill>
@@ -439,7 +444,7 @@
             </a:ln>
             <a:extLst>
               <a:ext uri="{91240B29-F687-4f45-9708-019B960494DF}">
-                <a14:hiddenLine xmlns:a14="http://schemas.microsoft.com/office/drawing/2010/main" xmlns="" w="9525">
+                <a14:hiddenLine xmlns="" xmlns:a14="http://schemas.microsoft.com/office/drawing/2010/main" w="9525">
                   <a:solidFill>
                     <a:srgbClr val="000000"/>
                   </a:solidFill>
@@ -529,7 +534,7 @@
             </a:ln>
             <a:extLst>
               <a:ext uri="{91240B29-F687-4f45-9708-019B960494DF}">
-                <a14:hiddenLine xmlns:a14="http://schemas.microsoft.com/office/drawing/2010/main" xmlns="" w="9525">
+                <a14:hiddenLine xmlns="" xmlns:a14="http://schemas.microsoft.com/office/drawing/2010/main" w="9525">
                   <a:solidFill>
                     <a:srgbClr val="000000"/>
                   </a:solidFill>
@@ -591,7 +596,7 @@
             </a:ln>
             <a:extLst>
               <a:ext uri="{91240B29-F687-4f45-9708-019B960494DF}">
-                <a14:hiddenLine xmlns:a14="http://schemas.microsoft.com/office/drawing/2010/main" xmlns="" w="9525">
+                <a14:hiddenLine xmlns="" xmlns:a14="http://schemas.microsoft.com/office/drawing/2010/main" w="9525">
                   <a:solidFill>
                     <a:srgbClr val="000000"/>
                   </a:solidFill>
@@ -653,7 +658,7 @@
             </a:ln>
             <a:extLst>
               <a:ext uri="{91240B29-F687-4f45-9708-019B960494DF}">
-                <a14:hiddenLine xmlns:a14="http://schemas.microsoft.com/office/drawing/2010/main" xmlns="" w="9525">
+                <a14:hiddenLine xmlns="" xmlns:a14="http://schemas.microsoft.com/office/drawing/2010/main" w="9525">
                   <a:solidFill>
                     <a:srgbClr val="000000"/>
                   </a:solidFill>
@@ -743,7 +748,7 @@
             </a:ln>
             <a:extLst>
               <a:ext uri="{91240B29-F687-4f45-9708-019B960494DF}">
-                <a14:hiddenLine xmlns:a14="http://schemas.microsoft.com/office/drawing/2010/main" xmlns="" w="9525">
+                <a14:hiddenLine xmlns="" xmlns:a14="http://schemas.microsoft.com/office/drawing/2010/main" w="9525">
                   <a:solidFill>
                     <a:srgbClr val="000000"/>
                   </a:solidFill>
@@ -805,7 +810,7 @@
             </a:ln>
             <a:extLst>
               <a:ext uri="{91240B29-F687-4f45-9708-019B960494DF}">
-                <a14:hiddenLine xmlns:a14="http://schemas.microsoft.com/office/drawing/2010/main" xmlns="" w="9525">
+                <a14:hiddenLine xmlns="" xmlns:a14="http://schemas.microsoft.com/office/drawing/2010/main" w="9525">
                   <a:solidFill>
                     <a:srgbClr val="000000"/>
                   </a:solidFill>
@@ -867,7 +872,7 @@
             </a:ln>
             <a:extLst>
               <a:ext uri="{91240B29-F687-4f45-9708-019B960494DF}">
-                <a14:hiddenLine xmlns:a14="http://schemas.microsoft.com/office/drawing/2010/main" xmlns="" w="9525">
+                <a14:hiddenLine xmlns="" xmlns:a14="http://schemas.microsoft.com/office/drawing/2010/main" w="9525">
                   <a:solidFill>
                     <a:srgbClr val="000000"/>
                   </a:solidFill>
@@ -957,7 +962,7 @@
             </a:ln>
             <a:extLst>
               <a:ext uri="{91240B29-F687-4f45-9708-019B960494DF}">
-                <a14:hiddenLine xmlns:a14="http://schemas.microsoft.com/office/drawing/2010/main" xmlns="" w="9525">
+                <a14:hiddenLine xmlns="" xmlns:a14="http://schemas.microsoft.com/office/drawing/2010/main" w="9525">
                   <a:solidFill>
                     <a:srgbClr val="000000"/>
                   </a:solidFill>
@@ -1047,7 +1052,7 @@
             </a:ln>
             <a:extLst>
               <a:ext uri="{91240B29-F687-4f45-9708-019B960494DF}">
-                <a14:hiddenLine xmlns:a14="http://schemas.microsoft.com/office/drawing/2010/main" xmlns="" w="9525">
+                <a14:hiddenLine xmlns="" xmlns:a14="http://schemas.microsoft.com/office/drawing/2010/main" w="9525">
                   <a:solidFill>
                     <a:srgbClr val="000000"/>
                   </a:solidFill>
@@ -1109,7 +1114,7 @@
             </a:ln>
             <a:extLst>
               <a:ext uri="{91240B29-F687-4f45-9708-019B960494DF}">
-                <a14:hiddenLine xmlns:a14="http://schemas.microsoft.com/office/drawing/2010/main" xmlns="" w="9525">
+                <a14:hiddenLine xmlns="" xmlns:a14="http://schemas.microsoft.com/office/drawing/2010/main" w="9525">
                   <a:solidFill>
                     <a:srgbClr val="000000"/>
                   </a:solidFill>
@@ -1219,7 +1224,7 @@
             </a:ln>
             <a:extLst>
               <a:ext uri="{91240B29-F687-4f45-9708-019B960494DF}">
-                <a14:hiddenLine xmlns:a14="http://schemas.microsoft.com/office/drawing/2010/main" xmlns="" w="9525">
+                <a14:hiddenLine xmlns="" xmlns:a14="http://schemas.microsoft.com/office/drawing/2010/main" w="9525">
                   <a:solidFill>
                     <a:srgbClr val="000000"/>
                   </a:solidFill>
@@ -1281,7 +1286,7 @@
             </a:ln>
             <a:extLst>
               <a:ext uri="{91240B29-F687-4f45-9708-019B960494DF}">
-                <a14:hiddenLine xmlns:a14="http://schemas.microsoft.com/office/drawing/2010/main" xmlns="" w="9525">
+                <a14:hiddenLine xmlns="" xmlns:a14="http://schemas.microsoft.com/office/drawing/2010/main" w="9525">
                   <a:solidFill>
                     <a:srgbClr val="000000"/>
                   </a:solidFill>
@@ -1371,7 +1376,7 @@
             </a:ln>
             <a:extLst>
               <a:ext uri="{91240B29-F687-4f45-9708-019B960494DF}">
-                <a14:hiddenLine xmlns:a14="http://schemas.microsoft.com/office/drawing/2010/main" xmlns="" w="9525">
+                <a14:hiddenLine xmlns="" xmlns:a14="http://schemas.microsoft.com/office/drawing/2010/main" w="9525">
                   <a:solidFill>
                     <a:srgbClr val="000000"/>
                   </a:solidFill>
@@ -1461,7 +1466,7 @@
             </a:ln>
             <a:extLst>
               <a:ext uri="{91240B29-F687-4f45-9708-019B960494DF}">
-                <a14:hiddenLine xmlns:a14="http://schemas.microsoft.com/office/drawing/2010/main" xmlns="" w="9525">
+                <a14:hiddenLine xmlns="" xmlns:a14="http://schemas.microsoft.com/office/drawing/2010/main" w="9525">
                   <a:solidFill>
                     <a:srgbClr val="000000"/>
                   </a:solidFill>
@@ -1523,7 +1528,7 @@
             </a:ln>
             <a:extLst>
               <a:ext uri="{91240B29-F687-4f45-9708-019B960494DF}">
-                <a14:hiddenLine xmlns:a14="http://schemas.microsoft.com/office/drawing/2010/main" xmlns="" w="9525">
+                <a14:hiddenLine xmlns="" xmlns:a14="http://schemas.microsoft.com/office/drawing/2010/main" w="9525">
                   <a:solidFill>
                     <a:srgbClr val="000000"/>
                   </a:solidFill>
@@ -1613,7 +1618,7 @@
             </a:ln>
             <a:extLst>
               <a:ext uri="{91240B29-F687-4f45-9708-019B960494DF}">
-                <a14:hiddenLine xmlns:a14="http://schemas.microsoft.com/office/drawing/2010/main" xmlns="" w="9525">
+                <a14:hiddenLine xmlns="" xmlns:a14="http://schemas.microsoft.com/office/drawing/2010/main" w="9525">
                   <a:solidFill>
                     <a:srgbClr val="000000"/>
                   </a:solidFill>
@@ -1703,7 +1708,7 @@
             </a:ln>
             <a:extLst>
               <a:ext uri="{91240B29-F687-4f45-9708-019B960494DF}">
-                <a14:hiddenLine xmlns:a14="http://schemas.microsoft.com/office/drawing/2010/main" xmlns="" w="9525">
+                <a14:hiddenLine xmlns="" xmlns:a14="http://schemas.microsoft.com/office/drawing/2010/main" w="9525">
                   <a:solidFill>
                     <a:srgbClr val="000000"/>
                   </a:solidFill>
@@ -1759,7 +1764,7 @@
             </a:ln>
             <a:extLst>
               <a:ext uri="{91240B29-F687-4f45-9708-019B960494DF}">
-                <a14:hiddenLine xmlns:a14="http://schemas.microsoft.com/office/drawing/2010/main" xmlns="" w="9525">
+                <a14:hiddenLine xmlns="" xmlns:a14="http://schemas.microsoft.com/office/drawing/2010/main" w="9525">
                   <a:solidFill>
                     <a:srgbClr val="000000"/>
                   </a:solidFill>
@@ -1849,7 +1854,7 @@
             </a:ln>
             <a:extLst>
               <a:ext uri="{91240B29-F687-4f45-9708-019B960494DF}">
-                <a14:hiddenLine xmlns:a14="http://schemas.microsoft.com/office/drawing/2010/main" xmlns="" w="9525">
+                <a14:hiddenLine xmlns="" xmlns:a14="http://schemas.microsoft.com/office/drawing/2010/main" w="9525">
                   <a:solidFill>
                     <a:srgbClr val="000000"/>
                   </a:solidFill>
@@ -1905,7 +1910,7 @@
             </a:ln>
             <a:extLst>
               <a:ext uri="{91240B29-F687-4f45-9708-019B960494DF}">
-                <a14:hiddenLine xmlns:a14="http://schemas.microsoft.com/office/drawing/2010/main" xmlns="" w="9525">
+                <a14:hiddenLine xmlns="" xmlns:a14="http://schemas.microsoft.com/office/drawing/2010/main" w="9525">
                   <a:solidFill>
                     <a:srgbClr val="000000"/>
                   </a:solidFill>
@@ -1995,7 +2000,7 @@
             </a:ln>
             <a:extLst>
               <a:ext uri="{91240B29-F687-4f45-9708-019B960494DF}">
-                <a14:hiddenLine xmlns:a14="http://schemas.microsoft.com/office/drawing/2010/main" xmlns="" w="9525">
+                <a14:hiddenLine xmlns="" xmlns:a14="http://schemas.microsoft.com/office/drawing/2010/main" w="9525">
                   <a:solidFill>
                     <a:srgbClr val="000000"/>
                   </a:solidFill>
@@ -2063,7 +2068,7 @@
             </a:ln>
             <a:extLst>
               <a:ext uri="{91240B29-F687-4f45-9708-019B960494DF}">
-                <a14:hiddenLine xmlns:a14="http://schemas.microsoft.com/office/drawing/2010/main" xmlns="" w="9525">
+                <a14:hiddenLine xmlns="" xmlns:a14="http://schemas.microsoft.com/office/drawing/2010/main" w="9525">
                   <a:solidFill>
                     <a:srgbClr val="000000"/>
                   </a:solidFill>
@@ -2153,7 +2158,7 @@
             </a:ln>
             <a:extLst>
               <a:ext uri="{91240B29-F687-4f45-9708-019B960494DF}">
-                <a14:hiddenLine xmlns:a14="http://schemas.microsoft.com/office/drawing/2010/main" xmlns="" w="9525">
+                <a14:hiddenLine xmlns="" xmlns:a14="http://schemas.microsoft.com/office/drawing/2010/main" w="9525">
                   <a:solidFill>
                     <a:srgbClr val="000000"/>
                   </a:solidFill>
@@ -2221,7 +2226,7 @@
             </a:ln>
             <a:extLst>
               <a:ext uri="{91240B29-F687-4f45-9708-019B960494DF}">
-                <a14:hiddenLine xmlns:a14="http://schemas.microsoft.com/office/drawing/2010/main" xmlns="" w="9525">
+                <a14:hiddenLine xmlns="" xmlns:a14="http://schemas.microsoft.com/office/drawing/2010/main" w="9525">
                   <a:solidFill>
                     <a:srgbClr val="000000"/>
                   </a:solidFill>
@@ -2311,7 +2316,7 @@
             </a:ln>
             <a:extLst>
               <a:ext uri="{91240B29-F687-4f45-9708-019B960494DF}">
-                <a14:hiddenLine xmlns:a14="http://schemas.microsoft.com/office/drawing/2010/main" xmlns="" w="9525">
+                <a14:hiddenLine xmlns="" xmlns:a14="http://schemas.microsoft.com/office/drawing/2010/main" w="9525">
                   <a:solidFill>
                     <a:srgbClr val="000000"/>
                   </a:solidFill>
@@ -2345,7 +2350,7 @@
             </a:ln>
             <a:extLst>
               <a:ext uri="{91240B29-F687-4f45-9708-019B960494DF}">
-                <a14:hiddenLine xmlns:a14="http://schemas.microsoft.com/office/drawing/2010/main" xmlns="" w="9525">
+                <a14:hiddenLine xmlns="" xmlns:a14="http://schemas.microsoft.com/office/drawing/2010/main" w="9525">
                   <a:solidFill>
                     <a:srgbClr val="000000"/>
                   </a:solidFill>
@@ -2435,7 +2440,7 @@
             </a:ln>
             <a:extLst>
               <a:ext uri="{91240B29-F687-4f45-9708-019B960494DF}">
-                <a14:hiddenLine xmlns:a14="http://schemas.microsoft.com/office/drawing/2010/main" xmlns="" w="9525">
+                <a14:hiddenLine xmlns="" xmlns:a14="http://schemas.microsoft.com/office/drawing/2010/main" w="9525">
                   <a:solidFill>
                     <a:srgbClr val="000000"/>
                   </a:solidFill>
@@ -2497,7 +2502,7 @@
             </a:ln>
             <a:extLst>
               <a:ext uri="{91240B29-F687-4f45-9708-019B960494DF}">
-                <a14:hiddenLine xmlns:a14="http://schemas.microsoft.com/office/drawing/2010/main" xmlns="" w="9525">
+                <a14:hiddenLine xmlns="" xmlns:a14="http://schemas.microsoft.com/office/drawing/2010/main" w="9525">
                   <a:solidFill>
                     <a:srgbClr val="000000"/>
                   </a:solidFill>
@@ -2559,7 +2564,7 @@
             </a:ln>
             <a:extLst>
               <a:ext uri="{91240B29-F687-4f45-9708-019B960494DF}">
-                <a14:hiddenLine xmlns:a14="http://schemas.microsoft.com/office/drawing/2010/main" xmlns="" w="9525">
+                <a14:hiddenLine xmlns="" xmlns:a14="http://schemas.microsoft.com/office/drawing/2010/main" w="9525">
                   <a:solidFill>
                     <a:srgbClr val="000000"/>
                   </a:solidFill>
@@ -2649,7 +2654,7 @@
             </a:ln>
             <a:extLst>
               <a:ext uri="{91240B29-F687-4f45-9708-019B960494DF}">
-                <a14:hiddenLine xmlns:a14="http://schemas.microsoft.com/office/drawing/2010/main" xmlns="" w="9525">
+                <a14:hiddenLine xmlns="" xmlns:a14="http://schemas.microsoft.com/office/drawing/2010/main" w="9525">
                   <a:solidFill>
                     <a:srgbClr val="000000"/>
                   </a:solidFill>
@@ -2717,7 +2722,7 @@
             </a:ln>
             <a:extLst>
               <a:ext uri="{91240B29-F687-4f45-9708-019B960494DF}">
-                <a14:hiddenLine xmlns:a14="http://schemas.microsoft.com/office/drawing/2010/main" xmlns="" w="9525">
+                <a14:hiddenLine xmlns="" xmlns:a14="http://schemas.microsoft.com/office/drawing/2010/main" w="9525">
                   <a:solidFill>
                     <a:srgbClr val="000000"/>
                   </a:solidFill>
@@ -2779,7 +2784,7 @@
             </a:ln>
             <a:extLst>
               <a:ext uri="{91240B29-F687-4f45-9708-019B960494DF}">
-                <a14:hiddenLine xmlns:a14="http://schemas.microsoft.com/office/drawing/2010/main" xmlns="" w="9525">
+                <a14:hiddenLine xmlns="" xmlns:a14="http://schemas.microsoft.com/office/drawing/2010/main" w="9525">
                   <a:solidFill>
                     <a:srgbClr val="000000"/>
                   </a:solidFill>
@@ -2869,7 +2874,7 @@
             </a:ln>
             <a:extLst>
               <a:ext uri="{91240B29-F687-4f45-9708-019B960494DF}">
-                <a14:hiddenLine xmlns:a14="http://schemas.microsoft.com/office/drawing/2010/main" xmlns="" w="9525">
+                <a14:hiddenLine xmlns="" xmlns:a14="http://schemas.microsoft.com/office/drawing/2010/main" w="9525">
                   <a:solidFill>
                     <a:srgbClr val="000000"/>
                   </a:solidFill>
@@ -2931,7 +2936,7 @@
             </a:ln>
             <a:extLst>
               <a:ext uri="{91240B29-F687-4f45-9708-019B960494DF}">
-                <a14:hiddenLine xmlns:a14="http://schemas.microsoft.com/office/drawing/2010/main" xmlns="" w="9525">
+                <a14:hiddenLine xmlns="" xmlns:a14="http://schemas.microsoft.com/office/drawing/2010/main" w="9525">
                   <a:solidFill>
                     <a:srgbClr val="000000"/>
                   </a:solidFill>
@@ -3021,7 +3026,7 @@
             </a:ln>
             <a:extLst>
               <a:ext uri="{91240B29-F687-4f45-9708-019B960494DF}">
-                <a14:hiddenLine xmlns:a14="http://schemas.microsoft.com/office/drawing/2010/main" xmlns="" w="9525">
+                <a14:hiddenLine xmlns="" xmlns:a14="http://schemas.microsoft.com/office/drawing/2010/main" w="9525">
                   <a:solidFill>
                     <a:srgbClr val="000000"/>
                   </a:solidFill>
@@ -3083,7 +3088,7 @@
             </a:ln>
             <a:extLst>
               <a:ext uri="{91240B29-F687-4f45-9708-019B960494DF}">
-                <a14:hiddenLine xmlns:a14="http://schemas.microsoft.com/office/drawing/2010/main" xmlns="" w="9525">
+                <a14:hiddenLine xmlns="" xmlns:a14="http://schemas.microsoft.com/office/drawing/2010/main" w="9525">
                   <a:solidFill>
                     <a:srgbClr val="000000"/>
                   </a:solidFill>
@@ -3173,7 +3178,7 @@
             </a:ln>
             <a:extLst>
               <a:ext uri="{91240B29-F687-4f45-9708-019B960494DF}">
-                <a14:hiddenLine xmlns:a14="http://schemas.microsoft.com/office/drawing/2010/main" xmlns="" w="9525">
+                <a14:hiddenLine xmlns="" xmlns:a14="http://schemas.microsoft.com/office/drawing/2010/main" w="9525">
                   <a:solidFill>
                     <a:srgbClr val="000000"/>
                   </a:solidFill>
@@ -3207,7 +3212,7 @@
             </a:ln>
             <a:extLst>
               <a:ext uri="{91240B29-F687-4f45-9708-019B960494DF}">
-                <a14:hiddenLine xmlns:a14="http://schemas.microsoft.com/office/drawing/2010/main" xmlns="" w="9525">
+                <a14:hiddenLine xmlns="" xmlns:a14="http://schemas.microsoft.com/office/drawing/2010/main" w="9525">
                   <a:solidFill>
                     <a:srgbClr val="000000"/>
                   </a:solidFill>
@@ -3272,7 +3277,7 @@
             </a:ln>
             <a:extLst>
               <a:ext uri="{91240B29-F687-4f45-9708-019B960494DF}">
-                <a14:hiddenLine xmlns:a14="http://schemas.microsoft.com/office/drawing/2010/main" xmlns="" w="9525">
+                <a14:hiddenLine xmlns="" xmlns:a14="http://schemas.microsoft.com/office/drawing/2010/main" w="9525">
                   <a:solidFill>
                     <a:srgbClr val="000000"/>
                   </a:solidFill>
@@ -3362,7 +3367,7 @@
             </a:ln>
             <a:extLst>
               <a:ext uri="{91240B29-F687-4f45-9708-019B960494DF}">
-                <a14:hiddenLine xmlns:a14="http://schemas.microsoft.com/office/drawing/2010/main" xmlns="" w="9525">
+                <a14:hiddenLine xmlns="" xmlns:a14="http://schemas.microsoft.com/office/drawing/2010/main" w="9525">
                   <a:solidFill>
                     <a:srgbClr val="000000"/>
                   </a:solidFill>
@@ -3424,7 +3429,7 @@
             </a:ln>
             <a:extLst>
               <a:ext uri="{91240B29-F687-4f45-9708-019B960494DF}">
-                <a14:hiddenLine xmlns:a14="http://schemas.microsoft.com/office/drawing/2010/main" xmlns="" w="9525">
+                <a14:hiddenLine xmlns="" xmlns:a14="http://schemas.microsoft.com/office/drawing/2010/main" w="9525">
                   <a:solidFill>
                     <a:srgbClr val="000000"/>
                   </a:solidFill>
@@ -3514,7 +3519,7 @@
             </a:ln>
             <a:extLst>
               <a:ext uri="{91240B29-F687-4f45-9708-019B960494DF}">
-                <a14:hiddenLine xmlns:a14="http://schemas.microsoft.com/office/drawing/2010/main" xmlns="" w="9525">
+                <a14:hiddenLine xmlns="" xmlns:a14="http://schemas.microsoft.com/office/drawing/2010/main" w="9525">
                   <a:solidFill>
                     <a:srgbClr val="000000"/>
                   </a:solidFill>
@@ -3604,7 +3609,7 @@
             </a:ln>
             <a:extLst>
               <a:ext uri="{91240B29-F687-4f45-9708-019B960494DF}">
-                <a14:hiddenLine xmlns:a14="http://schemas.microsoft.com/office/drawing/2010/main" xmlns="" w="9525">
+                <a14:hiddenLine xmlns="" xmlns:a14="http://schemas.microsoft.com/office/drawing/2010/main" w="9525">
                   <a:solidFill>
                     <a:srgbClr val="000000"/>
                   </a:solidFill>
@@ -3669,7 +3674,7 @@
             </a:ln>
             <a:extLst>
               <a:ext uri="{91240B29-F687-4f45-9708-019B960494DF}">
-                <a14:hiddenLine xmlns:a14="http://schemas.microsoft.com/office/drawing/2010/main" xmlns="" w="9525">
+                <a14:hiddenLine xmlns="" xmlns:a14="http://schemas.microsoft.com/office/drawing/2010/main" w="9525">
                   <a:solidFill>
                     <a:srgbClr val="000000"/>
                   </a:solidFill>
@@ -3731,7 +3736,7 @@
             </a:ln>
             <a:extLst>
               <a:ext uri="{91240B29-F687-4f45-9708-019B960494DF}">
-                <a14:hiddenLine xmlns:a14="http://schemas.microsoft.com/office/drawing/2010/main" xmlns="" w="9525">
+                <a14:hiddenLine xmlns="" xmlns:a14="http://schemas.microsoft.com/office/drawing/2010/main" w="9525">
                   <a:solidFill>
                     <a:srgbClr val="000000"/>
                   </a:solidFill>
@@ -3821,7 +3826,7 @@
             </a:ln>
             <a:extLst>
               <a:ext uri="{91240B29-F687-4f45-9708-019B960494DF}">
-                <a14:hiddenLine xmlns:a14="http://schemas.microsoft.com/office/drawing/2010/main" xmlns="" w="9525">
+                <a14:hiddenLine xmlns="" xmlns:a14="http://schemas.microsoft.com/office/drawing/2010/main" w="9525">
                   <a:solidFill>
                     <a:srgbClr val="000000"/>
                   </a:solidFill>
@@ -3911,7 +3916,7 @@
             </a:ln>
             <a:extLst>
               <a:ext uri="{91240B29-F687-4f45-9708-019B960494DF}">
-                <a14:hiddenLine xmlns:a14="http://schemas.microsoft.com/office/drawing/2010/main" xmlns="" w="9525">
+                <a14:hiddenLine xmlns="" xmlns:a14="http://schemas.microsoft.com/office/drawing/2010/main" w="9525">
                   <a:solidFill>
                     <a:srgbClr val="000000"/>
                   </a:solidFill>
@@ -3973,7 +3978,7 @@
             </a:ln>
             <a:extLst>
               <a:ext uri="{91240B29-F687-4f45-9708-019B960494DF}">
-                <a14:hiddenLine xmlns:a14="http://schemas.microsoft.com/office/drawing/2010/main" xmlns="" w="9525">
+                <a14:hiddenLine xmlns="" xmlns:a14="http://schemas.microsoft.com/office/drawing/2010/main" w="9525">
                   <a:solidFill>
                     <a:srgbClr val="000000"/>
                   </a:solidFill>
@@ -4093,7 +4098,7 @@
             </a:ln>
             <a:extLst>
               <a:ext uri="{91240B29-F687-4f45-9708-019B960494DF}">
-                <a14:hiddenLine xmlns:a14="http://schemas.microsoft.com/office/drawing/2010/main" xmlns="" w="9525">
+                <a14:hiddenLine xmlns="" xmlns:a14="http://schemas.microsoft.com/office/drawing/2010/main" w="9525">
                   <a:solidFill>
                     <a:srgbClr val="000000"/>
                   </a:solidFill>
@@ -4161,7 +4166,7 @@
             </a:ln>
             <a:extLst>
               <a:ext uri="{91240B29-F687-4f45-9708-019B960494DF}">
-                <a14:hiddenLine xmlns:a14="http://schemas.microsoft.com/office/drawing/2010/main" xmlns="" w="9525">
+                <a14:hiddenLine xmlns="" xmlns:a14="http://schemas.microsoft.com/office/drawing/2010/main" w="9525">
                   <a:solidFill>
                     <a:srgbClr val="000000"/>
                   </a:solidFill>
@@ -4251,7 +4256,7 @@
             </a:ln>
             <a:extLst>
               <a:ext uri="{91240B29-F687-4f45-9708-019B960494DF}">
-                <a14:hiddenLine xmlns:a14="http://schemas.microsoft.com/office/drawing/2010/main" xmlns="" w="9525">
+                <a14:hiddenLine xmlns="" xmlns:a14="http://schemas.microsoft.com/office/drawing/2010/main" w="9525">
                   <a:solidFill>
                     <a:srgbClr val="000000"/>
                   </a:solidFill>
@@ -4391,7 +4396,7 @@
           <a:p>
             <a:fld id="{71470F3F-DA4C-40F2-8C35-9FB6D31239EE}" type="datetimeFigureOut">
               <a:rPr lang="ru-RU" smtClean="0"/>
-              <a:t>24.04.2022</a:t>
+              <a:t>25.04.2022</a:t>
             </a:fld>
             <a:endParaRPr lang="ru-RU"/>
           </a:p>
@@ -4658,7 +4663,7 @@
           <a:p>
             <a:fld id="{71470F3F-DA4C-40F2-8C35-9FB6D31239EE}" type="datetimeFigureOut">
               <a:rPr lang="ru-RU" smtClean="0"/>
-              <a:t>24.04.2022</a:t>
+              <a:t>25.04.2022</a:t>
             </a:fld>
             <a:endParaRPr lang="ru-RU"/>
           </a:p>
@@ -4854,7 +4859,7 @@
           <a:p>
             <a:fld id="{71470F3F-DA4C-40F2-8C35-9FB6D31239EE}" type="datetimeFigureOut">
               <a:rPr lang="ru-RU" smtClean="0"/>
-              <a:t>24.04.2022</a:t>
+              <a:t>25.04.2022</a:t>
             </a:fld>
             <a:endParaRPr lang="ru-RU"/>
           </a:p>
@@ -5117,7 +5122,7 @@
           <a:p>
             <a:fld id="{71470F3F-DA4C-40F2-8C35-9FB6D31239EE}" type="datetimeFigureOut">
               <a:rPr lang="ru-RU" smtClean="0"/>
-              <a:t>24.04.2022</a:t>
+              <a:t>25.04.2022</a:t>
             </a:fld>
             <a:endParaRPr lang="ru-RU"/>
           </a:p>
@@ -5551,7 +5556,7 @@
           <a:p>
             <a:fld id="{71470F3F-DA4C-40F2-8C35-9FB6D31239EE}" type="datetimeFigureOut">
               <a:rPr lang="ru-RU" smtClean="0"/>
-              <a:t>24.04.2022</a:t>
+              <a:t>25.04.2022</a:t>
             </a:fld>
             <a:endParaRPr lang="ru-RU"/>
           </a:p>
@@ -6097,7 +6102,7 @@
           <a:p>
             <a:fld id="{71470F3F-DA4C-40F2-8C35-9FB6D31239EE}" type="datetimeFigureOut">
               <a:rPr lang="ru-RU" smtClean="0"/>
-              <a:t>24.04.2022</a:t>
+              <a:t>25.04.2022</a:t>
             </a:fld>
             <a:endParaRPr lang="ru-RU"/>
           </a:p>
@@ -6817,7 +6822,7 @@
           <a:p>
             <a:fld id="{71470F3F-DA4C-40F2-8C35-9FB6D31239EE}" type="datetimeFigureOut">
               <a:rPr lang="ru-RU" smtClean="0"/>
-              <a:t>24.04.2022</a:t>
+              <a:t>25.04.2022</a:t>
             </a:fld>
             <a:endParaRPr lang="ru-RU"/>
           </a:p>
@@ -6987,7 +6992,7 @@
           <a:p>
             <a:fld id="{71470F3F-DA4C-40F2-8C35-9FB6D31239EE}" type="datetimeFigureOut">
               <a:rPr lang="ru-RU" smtClean="0"/>
-              <a:t>24.04.2022</a:t>
+              <a:t>25.04.2022</a:t>
             </a:fld>
             <a:endParaRPr lang="ru-RU"/>
           </a:p>
@@ -7167,7 +7172,7 @@
           <a:p>
             <a:fld id="{71470F3F-DA4C-40F2-8C35-9FB6D31239EE}" type="datetimeFigureOut">
               <a:rPr lang="ru-RU" smtClean="0"/>
-              <a:t>24.04.2022</a:t>
+              <a:t>25.04.2022</a:t>
             </a:fld>
             <a:endParaRPr lang="ru-RU"/>
           </a:p>
@@ -7337,7 +7342,7 @@
           <a:p>
             <a:fld id="{71470F3F-DA4C-40F2-8C35-9FB6D31239EE}" type="datetimeFigureOut">
               <a:rPr lang="ru-RU" smtClean="0"/>
-              <a:t>24.04.2022</a:t>
+              <a:t>25.04.2022</a:t>
             </a:fld>
             <a:endParaRPr lang="ru-RU"/>
           </a:p>
@@ -7587,7 +7592,7 @@
           <a:p>
             <a:fld id="{71470F3F-DA4C-40F2-8C35-9FB6D31239EE}" type="datetimeFigureOut">
               <a:rPr lang="ru-RU" smtClean="0"/>
-              <a:t>24.04.2022</a:t>
+              <a:t>25.04.2022</a:t>
             </a:fld>
             <a:endParaRPr lang="ru-RU"/>
           </a:p>
@@ -7819,7 +7824,7 @@
           <a:p>
             <a:fld id="{71470F3F-DA4C-40F2-8C35-9FB6D31239EE}" type="datetimeFigureOut">
               <a:rPr lang="ru-RU" smtClean="0"/>
-              <a:t>24.04.2022</a:t>
+              <a:t>25.04.2022</a:t>
             </a:fld>
             <a:endParaRPr lang="ru-RU"/>
           </a:p>
@@ -8200,7 +8205,7 @@
           <a:p>
             <a:fld id="{71470F3F-DA4C-40F2-8C35-9FB6D31239EE}" type="datetimeFigureOut">
               <a:rPr lang="ru-RU" smtClean="0"/>
-              <a:t>24.04.2022</a:t>
+              <a:t>25.04.2022</a:t>
             </a:fld>
             <a:endParaRPr lang="ru-RU"/>
           </a:p>
@@ -8318,7 +8323,7 @@
           <a:p>
             <a:fld id="{71470F3F-DA4C-40F2-8C35-9FB6D31239EE}" type="datetimeFigureOut">
               <a:rPr lang="ru-RU" smtClean="0"/>
-              <a:t>24.04.2022</a:t>
+              <a:t>25.04.2022</a:t>
             </a:fld>
             <a:endParaRPr lang="ru-RU"/>
           </a:p>
@@ -8413,7 +8418,7 @@
           <a:p>
             <a:fld id="{71470F3F-DA4C-40F2-8C35-9FB6D31239EE}" type="datetimeFigureOut">
               <a:rPr lang="ru-RU" smtClean="0"/>
-              <a:t>24.04.2022</a:t>
+              <a:t>25.04.2022</a:t>
             </a:fld>
             <a:endParaRPr lang="ru-RU"/>
           </a:p>
@@ -8662,7 +8667,7 @@
           <a:p>
             <a:fld id="{71470F3F-DA4C-40F2-8C35-9FB6D31239EE}" type="datetimeFigureOut">
               <a:rPr lang="ru-RU" smtClean="0"/>
-              <a:t>24.04.2022</a:t>
+              <a:t>25.04.2022</a:t>
             </a:fld>
             <a:endParaRPr lang="ru-RU"/>
           </a:p>
@@ -8942,7 +8947,7 @@
           <a:p>
             <a:fld id="{71470F3F-DA4C-40F2-8C35-9FB6D31239EE}" type="datetimeFigureOut">
               <a:rPr lang="ru-RU" smtClean="0"/>
-              <a:t>24.04.2022</a:t>
+              <a:t>25.04.2022</a:t>
             </a:fld>
             <a:endParaRPr lang="ru-RU"/>
           </a:p>
@@ -9058,7 +9063,7 @@
           <a:noFill/>
           <a:extLst>
             <a:ext uri="{909E8E84-426E-40dd-AFC4-6F175D3DCCD1}">
-              <a14:hiddenFill xmlns:a14="http://schemas.microsoft.com/office/drawing/2010/main" xmlns="">
+              <a14:hiddenFill xmlns="" xmlns:a14="http://schemas.microsoft.com/office/drawing/2010/main">
                 <a:solidFill>
                   <a:srgbClr val="FFFFFF"/>
                 </a:solidFill>
@@ -9132,7 +9137,7 @@
               </a:ln>
               <a:extLst>
                 <a:ext uri="{91240B29-F687-4f45-9708-019B960494DF}">
-                  <a14:hiddenLine xmlns:a14="http://schemas.microsoft.com/office/drawing/2010/main" xmlns="" w="9525">
+                  <a14:hiddenLine xmlns="" xmlns:a14="http://schemas.microsoft.com/office/drawing/2010/main" w="9525">
                     <a:solidFill>
                       <a:srgbClr val="000000"/>
                     </a:solidFill>
@@ -9222,7 +9227,7 @@
               </a:ln>
               <a:extLst>
                 <a:ext uri="{91240B29-F687-4f45-9708-019B960494DF}">
-                  <a14:hiddenLine xmlns:a14="http://schemas.microsoft.com/office/drawing/2010/main" xmlns="" w="9525">
+                  <a14:hiddenLine xmlns="" xmlns:a14="http://schemas.microsoft.com/office/drawing/2010/main" w="9525">
                     <a:solidFill>
                       <a:srgbClr val="000000"/>
                     </a:solidFill>
@@ -9312,7 +9317,7 @@
               </a:ln>
               <a:extLst>
                 <a:ext uri="{91240B29-F687-4f45-9708-019B960494DF}">
-                  <a14:hiddenLine xmlns:a14="http://schemas.microsoft.com/office/drawing/2010/main" xmlns="" w="9525">
+                  <a14:hiddenLine xmlns="" xmlns:a14="http://schemas.microsoft.com/office/drawing/2010/main" w="9525">
                     <a:solidFill>
                       <a:srgbClr val="000000"/>
                     </a:solidFill>
@@ -9374,7 +9379,7 @@
               </a:ln>
               <a:extLst>
                 <a:ext uri="{91240B29-F687-4f45-9708-019B960494DF}">
-                  <a14:hiddenLine xmlns:a14="http://schemas.microsoft.com/office/drawing/2010/main" xmlns="" w="9525">
+                  <a14:hiddenLine xmlns="" xmlns:a14="http://schemas.microsoft.com/office/drawing/2010/main" w="9525">
                     <a:solidFill>
                       <a:srgbClr val="000000"/>
                     </a:solidFill>
@@ -9464,7 +9469,7 @@
               </a:ln>
               <a:extLst>
                 <a:ext uri="{91240B29-F687-4f45-9708-019B960494DF}">
-                  <a14:hiddenLine xmlns:a14="http://schemas.microsoft.com/office/drawing/2010/main" xmlns="" w="9525">
+                  <a14:hiddenLine xmlns="" xmlns:a14="http://schemas.microsoft.com/office/drawing/2010/main" w="9525">
                     <a:solidFill>
                       <a:srgbClr val="000000"/>
                     </a:solidFill>
@@ -9526,7 +9531,7 @@
               </a:ln>
               <a:extLst>
                 <a:ext uri="{91240B29-F687-4f45-9708-019B960494DF}">
-                  <a14:hiddenLine xmlns:a14="http://schemas.microsoft.com/office/drawing/2010/main" xmlns="" w="9525">
+                  <a14:hiddenLine xmlns="" xmlns:a14="http://schemas.microsoft.com/office/drawing/2010/main" w="9525">
                     <a:solidFill>
                       <a:srgbClr val="000000"/>
                     </a:solidFill>
@@ -9588,7 +9593,7 @@
               </a:ln>
               <a:extLst>
                 <a:ext uri="{91240B29-F687-4f45-9708-019B960494DF}">
-                  <a14:hiddenLine xmlns:a14="http://schemas.microsoft.com/office/drawing/2010/main" xmlns="" w="9525">
+                  <a14:hiddenLine xmlns="" xmlns:a14="http://schemas.microsoft.com/office/drawing/2010/main" w="9525">
                     <a:solidFill>
                       <a:srgbClr val="000000"/>
                     </a:solidFill>
@@ -9678,7 +9683,7 @@
               </a:ln>
               <a:extLst>
                 <a:ext uri="{91240B29-F687-4f45-9708-019B960494DF}">
-                  <a14:hiddenLine xmlns:a14="http://schemas.microsoft.com/office/drawing/2010/main" xmlns="" w="9525">
+                  <a14:hiddenLine xmlns="" xmlns:a14="http://schemas.microsoft.com/office/drawing/2010/main" w="9525">
                     <a:solidFill>
                       <a:srgbClr val="000000"/>
                     </a:solidFill>
@@ -9768,7 +9773,7 @@
               </a:ln>
               <a:extLst>
                 <a:ext uri="{91240B29-F687-4f45-9708-019B960494DF}">
-                  <a14:hiddenLine xmlns:a14="http://schemas.microsoft.com/office/drawing/2010/main" xmlns="" w="9525">
+                  <a14:hiddenLine xmlns="" xmlns:a14="http://schemas.microsoft.com/office/drawing/2010/main" w="9525">
                     <a:solidFill>
                       <a:srgbClr val="000000"/>
                     </a:solidFill>
@@ -9830,7 +9835,7 @@
               </a:ln>
               <a:extLst>
                 <a:ext uri="{91240B29-F687-4f45-9708-019B960494DF}">
-                  <a14:hiddenLine xmlns:a14="http://schemas.microsoft.com/office/drawing/2010/main" xmlns="" w="9525">
+                  <a14:hiddenLine xmlns="" xmlns:a14="http://schemas.microsoft.com/office/drawing/2010/main" w="9525">
                     <a:solidFill>
                       <a:srgbClr val="000000"/>
                     </a:solidFill>
@@ -9940,7 +9945,7 @@
               </a:ln>
               <a:extLst>
                 <a:ext uri="{91240B29-F687-4f45-9708-019B960494DF}">
-                  <a14:hiddenLine xmlns:a14="http://schemas.microsoft.com/office/drawing/2010/main" xmlns="" w="9525">
+                  <a14:hiddenLine xmlns="" xmlns:a14="http://schemas.microsoft.com/office/drawing/2010/main" w="9525">
                     <a:solidFill>
                       <a:srgbClr val="000000"/>
                     </a:solidFill>
@@ -10024,7 +10029,7 @@
               </a:ln>
               <a:extLst>
                 <a:ext uri="{91240B29-F687-4f45-9708-019B960494DF}">
-                  <a14:hiddenLine xmlns:a14="http://schemas.microsoft.com/office/drawing/2010/main" xmlns="" w="9525">
+                  <a14:hiddenLine xmlns="" xmlns:a14="http://schemas.microsoft.com/office/drawing/2010/main" w="9525">
                     <a:solidFill>
                       <a:srgbClr val="000000"/>
                     </a:solidFill>
@@ -10086,7 +10091,7 @@
               </a:ln>
               <a:extLst>
                 <a:ext uri="{91240B29-F687-4f45-9708-019B960494DF}">
-                  <a14:hiddenLine xmlns:a14="http://schemas.microsoft.com/office/drawing/2010/main" xmlns="" w="9525">
+                  <a14:hiddenLine xmlns="" xmlns:a14="http://schemas.microsoft.com/office/drawing/2010/main" w="9525">
                     <a:solidFill>
                       <a:srgbClr val="000000"/>
                     </a:solidFill>
@@ -10148,7 +10153,7 @@
               </a:ln>
               <a:extLst>
                 <a:ext uri="{91240B29-F687-4f45-9708-019B960494DF}">
-                  <a14:hiddenLine xmlns:a14="http://schemas.microsoft.com/office/drawing/2010/main" xmlns="" w="9525">
+                  <a14:hiddenLine xmlns="" xmlns:a14="http://schemas.microsoft.com/office/drawing/2010/main" w="9525">
                     <a:solidFill>
                       <a:srgbClr val="000000"/>
                     </a:solidFill>
@@ -10238,7 +10243,7 @@
               </a:ln>
               <a:extLst>
                 <a:ext uri="{91240B29-F687-4f45-9708-019B960494DF}">
-                  <a14:hiddenLine xmlns:a14="http://schemas.microsoft.com/office/drawing/2010/main" xmlns="" w="9525">
+                  <a14:hiddenLine xmlns="" xmlns:a14="http://schemas.microsoft.com/office/drawing/2010/main" w="9525">
                     <a:solidFill>
                       <a:srgbClr val="000000"/>
                     </a:solidFill>
@@ -10272,7 +10277,7 @@
               </a:ln>
               <a:extLst>
                 <a:ext uri="{91240B29-F687-4f45-9708-019B960494DF}">
-                  <a14:hiddenLine xmlns:a14="http://schemas.microsoft.com/office/drawing/2010/main" xmlns="" w="9525">
+                  <a14:hiddenLine xmlns="" xmlns:a14="http://schemas.microsoft.com/office/drawing/2010/main" w="9525">
                     <a:solidFill>
                       <a:srgbClr val="000000"/>
                     </a:solidFill>
@@ -10337,7 +10342,7 @@
               </a:ln>
               <a:extLst>
                 <a:ext uri="{91240B29-F687-4f45-9708-019B960494DF}">
-                  <a14:hiddenLine xmlns:a14="http://schemas.microsoft.com/office/drawing/2010/main" xmlns="" w="9525">
+                  <a14:hiddenLine xmlns="" xmlns:a14="http://schemas.microsoft.com/office/drawing/2010/main" w="9525">
                     <a:solidFill>
                       <a:srgbClr val="000000"/>
                     </a:solidFill>
@@ -10427,7 +10432,7 @@
               </a:ln>
               <a:extLst>
                 <a:ext uri="{91240B29-F687-4f45-9708-019B960494DF}">
-                  <a14:hiddenLine xmlns:a14="http://schemas.microsoft.com/office/drawing/2010/main" xmlns="" w="9525">
+                  <a14:hiddenLine xmlns="" xmlns:a14="http://schemas.microsoft.com/office/drawing/2010/main" w="9525">
                     <a:solidFill>
                       <a:srgbClr val="000000"/>
                     </a:solidFill>
@@ -10489,7 +10494,7 @@
               </a:ln>
               <a:extLst>
                 <a:ext uri="{91240B29-F687-4f45-9708-019B960494DF}">
-                  <a14:hiddenLine xmlns:a14="http://schemas.microsoft.com/office/drawing/2010/main" xmlns="" w="9525">
+                  <a14:hiddenLine xmlns="" xmlns:a14="http://schemas.microsoft.com/office/drawing/2010/main" w="9525">
                     <a:solidFill>
                       <a:srgbClr val="000000"/>
                     </a:solidFill>
@@ -10579,7 +10584,7 @@
               </a:ln>
               <a:extLst>
                 <a:ext uri="{91240B29-F687-4f45-9708-019B960494DF}">
-                  <a14:hiddenLine xmlns:a14="http://schemas.microsoft.com/office/drawing/2010/main" xmlns="" w="9525">
+                  <a14:hiddenLine xmlns="" xmlns:a14="http://schemas.microsoft.com/office/drawing/2010/main" w="9525">
                     <a:solidFill>
                       <a:srgbClr val="000000"/>
                     </a:solidFill>
@@ -10644,7 +10649,7 @@
               </a:ln>
               <a:extLst>
                 <a:ext uri="{91240B29-F687-4f45-9708-019B960494DF}">
-                  <a14:hiddenLine xmlns:a14="http://schemas.microsoft.com/office/drawing/2010/main" xmlns="" w="9525">
+                  <a14:hiddenLine xmlns="" xmlns:a14="http://schemas.microsoft.com/office/drawing/2010/main" w="9525">
                     <a:solidFill>
                       <a:srgbClr val="000000"/>
                     </a:solidFill>
@@ -10706,7 +10711,7 @@
               </a:ln>
               <a:extLst>
                 <a:ext uri="{91240B29-F687-4f45-9708-019B960494DF}">
-                  <a14:hiddenLine xmlns:a14="http://schemas.microsoft.com/office/drawing/2010/main" xmlns="" w="9525">
+                  <a14:hiddenLine xmlns="" xmlns:a14="http://schemas.microsoft.com/office/drawing/2010/main" w="9525">
                     <a:solidFill>
                       <a:srgbClr val="000000"/>
                     </a:solidFill>
@@ -10796,7 +10801,7 @@
               </a:ln>
               <a:extLst>
                 <a:ext uri="{91240B29-F687-4f45-9708-019B960494DF}">
-                  <a14:hiddenLine xmlns:a14="http://schemas.microsoft.com/office/drawing/2010/main" xmlns="" w="9525">
+                  <a14:hiddenLine xmlns="" xmlns:a14="http://schemas.microsoft.com/office/drawing/2010/main" w="9525">
                     <a:solidFill>
                       <a:srgbClr val="000000"/>
                     </a:solidFill>
@@ -10886,7 +10891,7 @@
               </a:ln>
               <a:extLst>
                 <a:ext uri="{91240B29-F687-4f45-9708-019B960494DF}">
-                  <a14:hiddenLine xmlns:a14="http://schemas.microsoft.com/office/drawing/2010/main" xmlns="" w="9525">
+                  <a14:hiddenLine xmlns="" xmlns:a14="http://schemas.microsoft.com/office/drawing/2010/main" w="9525">
                     <a:solidFill>
                       <a:srgbClr val="000000"/>
                     </a:solidFill>
@@ -10951,7 +10956,7 @@
               </a:ln>
               <a:extLst>
                 <a:ext uri="{91240B29-F687-4f45-9708-019B960494DF}">
-                  <a14:hiddenLine xmlns:a14="http://schemas.microsoft.com/office/drawing/2010/main" xmlns="" w="9525">
+                  <a14:hiddenLine xmlns="" xmlns:a14="http://schemas.microsoft.com/office/drawing/2010/main" w="9525">
                     <a:solidFill>
                       <a:srgbClr val="000000"/>
                     </a:solidFill>
@@ -11071,7 +11076,7 @@
               </a:ln>
               <a:extLst>
                 <a:ext uri="{91240B29-F687-4f45-9708-019B960494DF}">
-                  <a14:hiddenLine xmlns:a14="http://schemas.microsoft.com/office/drawing/2010/main" xmlns="" w="9525">
+                  <a14:hiddenLine xmlns="" xmlns:a14="http://schemas.microsoft.com/office/drawing/2010/main" w="9525">
                     <a:solidFill>
                       <a:srgbClr val="000000"/>
                     </a:solidFill>
@@ -11169,7 +11174,7 @@
               </a:ln>
               <a:extLst>
                 <a:ext uri="{91240B29-F687-4f45-9708-019B960494DF}">
-                  <a14:hiddenLine xmlns:a14="http://schemas.microsoft.com/office/drawing/2010/main" xmlns="" w="9525">
+                  <a14:hiddenLine xmlns="" xmlns:a14="http://schemas.microsoft.com/office/drawing/2010/main" w="9525">
                     <a:solidFill>
                       <a:srgbClr val="000000"/>
                     </a:solidFill>
@@ -11284,7 +11289,7 @@
               </a:ln>
               <a:extLst>
                 <a:ext uri="{91240B29-F687-4f45-9708-019B960494DF}">
-                  <a14:hiddenLine xmlns:a14="http://schemas.microsoft.com/office/drawing/2010/main" xmlns="" w="9525">
+                  <a14:hiddenLine xmlns="" xmlns:a14="http://schemas.microsoft.com/office/drawing/2010/main" w="9525">
                     <a:solidFill>
                       <a:srgbClr val="000000"/>
                     </a:solidFill>
@@ -11374,7 +11379,7 @@
               </a:ln>
               <a:extLst>
                 <a:ext uri="{91240B29-F687-4f45-9708-019B960494DF}">
-                  <a14:hiddenLine xmlns:a14="http://schemas.microsoft.com/office/drawing/2010/main" xmlns="" w="9525">
+                  <a14:hiddenLine xmlns="" xmlns:a14="http://schemas.microsoft.com/office/drawing/2010/main" w="9525">
                     <a:solidFill>
                       <a:srgbClr val="000000"/>
                     </a:solidFill>
@@ -11439,7 +11444,7 @@
               </a:ln>
               <a:extLst>
                 <a:ext uri="{91240B29-F687-4f45-9708-019B960494DF}">
-                  <a14:hiddenLine xmlns:a14="http://schemas.microsoft.com/office/drawing/2010/main" xmlns="" w="9525">
+                  <a14:hiddenLine xmlns="" xmlns:a14="http://schemas.microsoft.com/office/drawing/2010/main" w="9525">
                     <a:solidFill>
                       <a:srgbClr val="000000"/>
                     </a:solidFill>
@@ -11529,7 +11534,7 @@
               </a:ln>
               <a:extLst>
                 <a:ext uri="{91240B29-F687-4f45-9708-019B960494DF}">
-                  <a14:hiddenLine xmlns:a14="http://schemas.microsoft.com/office/drawing/2010/main" xmlns="" w="9525">
+                  <a14:hiddenLine xmlns="" xmlns:a14="http://schemas.microsoft.com/office/drawing/2010/main" w="9525">
                     <a:solidFill>
                       <a:srgbClr val="000000"/>
                     </a:solidFill>
@@ -11597,7 +11602,7 @@
               </a:ln>
               <a:extLst>
                 <a:ext uri="{91240B29-F687-4f45-9708-019B960494DF}">
-                  <a14:hiddenLine xmlns:a14="http://schemas.microsoft.com/office/drawing/2010/main" xmlns="" w="9525">
+                  <a14:hiddenLine xmlns="" xmlns:a14="http://schemas.microsoft.com/office/drawing/2010/main" w="9525">
                     <a:solidFill>
                       <a:srgbClr val="000000"/>
                     </a:solidFill>
@@ -11687,7 +11692,7 @@
               </a:ln>
               <a:extLst>
                 <a:ext uri="{91240B29-F687-4f45-9708-019B960494DF}">
-                  <a14:hiddenLine xmlns:a14="http://schemas.microsoft.com/office/drawing/2010/main" xmlns="" w="9525">
+                  <a14:hiddenLine xmlns="" xmlns:a14="http://schemas.microsoft.com/office/drawing/2010/main" w="9525">
                     <a:solidFill>
                       <a:srgbClr val="000000"/>
                     </a:solidFill>
@@ -11755,7 +11760,7 @@
               </a:ln>
               <a:extLst>
                 <a:ext uri="{91240B29-F687-4f45-9708-019B960494DF}">
-                  <a14:hiddenLine xmlns:a14="http://schemas.microsoft.com/office/drawing/2010/main" xmlns="" w="9525">
+                  <a14:hiddenLine xmlns="" xmlns:a14="http://schemas.microsoft.com/office/drawing/2010/main" w="9525">
                     <a:solidFill>
                       <a:srgbClr val="000000"/>
                     </a:solidFill>
@@ -11845,7 +11850,7 @@
               </a:ln>
               <a:extLst>
                 <a:ext uri="{91240B29-F687-4f45-9708-019B960494DF}">
-                  <a14:hiddenLine xmlns:a14="http://schemas.microsoft.com/office/drawing/2010/main" xmlns="" w="9525">
+                  <a14:hiddenLine xmlns="" xmlns:a14="http://schemas.microsoft.com/office/drawing/2010/main" w="9525">
                     <a:solidFill>
                       <a:srgbClr val="000000"/>
                     </a:solidFill>
@@ -11879,7 +11884,7 @@
               </a:ln>
               <a:extLst>
                 <a:ext uri="{91240B29-F687-4f45-9708-019B960494DF}">
-                  <a14:hiddenLine xmlns:a14="http://schemas.microsoft.com/office/drawing/2010/main" xmlns="" w="9525">
+                  <a14:hiddenLine xmlns="" xmlns:a14="http://schemas.microsoft.com/office/drawing/2010/main" w="9525">
                     <a:solidFill>
                       <a:srgbClr val="000000"/>
                     </a:solidFill>
@@ -12019,7 +12024,7 @@
           <a:p>
             <a:fld id="{71470F3F-DA4C-40F2-8C35-9FB6D31239EE}" type="datetimeFigureOut">
               <a:rPr lang="ru-RU" smtClean="0"/>
-              <a:t>24.04.2022</a:t>
+              <a:t>25.04.2022</a:t>
             </a:fld>
             <a:endParaRPr lang="ru-RU"/>
           </a:p>
@@ -12506,7 +12511,7 @@
             <a:pPr algn="r"/>
             <a:r>
               <a:rPr lang="ru-RU" dirty="0"/>
-              <a:t>Садиков в.</a:t>
+              <a:t>Садиков в. д</a:t>
             </a:r>
           </a:p>
         </p:txBody>

--- a/ProjectGallery - защита.pptx
+++ b/ProjectGallery - защита.pptx
@@ -14,6 +14,8 @@
     <p:sldId id="261" r:id="rId8"/>
     <p:sldId id="262" r:id="rId9"/>
     <p:sldId id="263" r:id="rId10"/>
+    <p:sldId id="266" r:id="rId11"/>
+    <p:sldId id="267" r:id="rId12"/>
   </p:sldIdLst>
   <p:sldSz cx="12192000" cy="6858000"/>
   <p:notesSz cx="6858000" cy="9144000"/>
@@ -170,7 +172,7 @@
           <a:noFill/>
           <a:extLst>
             <a:ext uri="{909E8E84-426E-40dd-AFC4-6F175D3DCCD1}">
-              <a14:hiddenFill xmlns="" xmlns:a14="http://schemas.microsoft.com/office/drawing/2010/main">
+              <a14:hiddenFill xmlns:a14="http://schemas.microsoft.com/office/drawing/2010/main" xmlns="">
                 <a:solidFill>
                   <a:srgbClr val="FFFFFF"/>
                 </a:solidFill>
@@ -230,7 +232,7 @@
             </a:ln>
             <a:extLst>
               <a:ext uri="{91240B29-F687-4f45-9708-019B960494DF}">
-                <a14:hiddenLine xmlns="" xmlns:a14="http://schemas.microsoft.com/office/drawing/2010/main" w="9525">
+                <a14:hiddenLine xmlns:a14="http://schemas.microsoft.com/office/drawing/2010/main" xmlns="" w="9525">
                   <a:solidFill>
                     <a:srgbClr val="000000"/>
                   </a:solidFill>
@@ -320,7 +322,7 @@
             </a:ln>
             <a:extLst>
               <a:ext uri="{91240B29-F687-4f45-9708-019B960494DF}">
-                <a14:hiddenLine xmlns="" xmlns:a14="http://schemas.microsoft.com/office/drawing/2010/main" w="9525">
+                <a14:hiddenLine xmlns:a14="http://schemas.microsoft.com/office/drawing/2010/main" xmlns="" w="9525">
                   <a:solidFill>
                     <a:srgbClr val="000000"/>
                   </a:solidFill>
@@ -410,7 +412,7 @@
             </a:ln>
             <a:extLst>
               <a:ext uri="{91240B29-F687-4f45-9708-019B960494DF}">
-                <a14:hiddenLine xmlns="" xmlns:a14="http://schemas.microsoft.com/office/drawing/2010/main" w="9525">
+                <a14:hiddenLine xmlns:a14="http://schemas.microsoft.com/office/drawing/2010/main" xmlns="" w="9525">
                   <a:solidFill>
                     <a:srgbClr val="000000"/>
                   </a:solidFill>
@@ -444,7 +446,7 @@
             </a:ln>
             <a:extLst>
               <a:ext uri="{91240B29-F687-4f45-9708-019B960494DF}">
-                <a14:hiddenLine xmlns="" xmlns:a14="http://schemas.microsoft.com/office/drawing/2010/main" w="9525">
+                <a14:hiddenLine xmlns:a14="http://schemas.microsoft.com/office/drawing/2010/main" xmlns="" w="9525">
                   <a:solidFill>
                     <a:srgbClr val="000000"/>
                   </a:solidFill>
@@ -534,7 +536,7 @@
             </a:ln>
             <a:extLst>
               <a:ext uri="{91240B29-F687-4f45-9708-019B960494DF}">
-                <a14:hiddenLine xmlns="" xmlns:a14="http://schemas.microsoft.com/office/drawing/2010/main" w="9525">
+                <a14:hiddenLine xmlns:a14="http://schemas.microsoft.com/office/drawing/2010/main" xmlns="" w="9525">
                   <a:solidFill>
                     <a:srgbClr val="000000"/>
                   </a:solidFill>
@@ -596,7 +598,7 @@
             </a:ln>
             <a:extLst>
               <a:ext uri="{91240B29-F687-4f45-9708-019B960494DF}">
-                <a14:hiddenLine xmlns="" xmlns:a14="http://schemas.microsoft.com/office/drawing/2010/main" w="9525">
+                <a14:hiddenLine xmlns:a14="http://schemas.microsoft.com/office/drawing/2010/main" xmlns="" w="9525">
                   <a:solidFill>
                     <a:srgbClr val="000000"/>
                   </a:solidFill>
@@ -658,7 +660,7 @@
             </a:ln>
             <a:extLst>
               <a:ext uri="{91240B29-F687-4f45-9708-019B960494DF}">
-                <a14:hiddenLine xmlns="" xmlns:a14="http://schemas.microsoft.com/office/drawing/2010/main" w="9525">
+                <a14:hiddenLine xmlns:a14="http://schemas.microsoft.com/office/drawing/2010/main" xmlns="" w="9525">
                   <a:solidFill>
                     <a:srgbClr val="000000"/>
                   </a:solidFill>
@@ -748,7 +750,7 @@
             </a:ln>
             <a:extLst>
               <a:ext uri="{91240B29-F687-4f45-9708-019B960494DF}">
-                <a14:hiddenLine xmlns="" xmlns:a14="http://schemas.microsoft.com/office/drawing/2010/main" w="9525">
+                <a14:hiddenLine xmlns:a14="http://schemas.microsoft.com/office/drawing/2010/main" xmlns="" w="9525">
                   <a:solidFill>
                     <a:srgbClr val="000000"/>
                   </a:solidFill>
@@ -810,7 +812,7 @@
             </a:ln>
             <a:extLst>
               <a:ext uri="{91240B29-F687-4f45-9708-019B960494DF}">
-                <a14:hiddenLine xmlns="" xmlns:a14="http://schemas.microsoft.com/office/drawing/2010/main" w="9525">
+                <a14:hiddenLine xmlns:a14="http://schemas.microsoft.com/office/drawing/2010/main" xmlns="" w="9525">
                   <a:solidFill>
                     <a:srgbClr val="000000"/>
                   </a:solidFill>
@@ -872,7 +874,7 @@
             </a:ln>
             <a:extLst>
               <a:ext uri="{91240B29-F687-4f45-9708-019B960494DF}">
-                <a14:hiddenLine xmlns="" xmlns:a14="http://schemas.microsoft.com/office/drawing/2010/main" w="9525">
+                <a14:hiddenLine xmlns:a14="http://schemas.microsoft.com/office/drawing/2010/main" xmlns="" w="9525">
                   <a:solidFill>
                     <a:srgbClr val="000000"/>
                   </a:solidFill>
@@ -962,7 +964,7 @@
             </a:ln>
             <a:extLst>
               <a:ext uri="{91240B29-F687-4f45-9708-019B960494DF}">
-                <a14:hiddenLine xmlns="" xmlns:a14="http://schemas.microsoft.com/office/drawing/2010/main" w="9525">
+                <a14:hiddenLine xmlns:a14="http://schemas.microsoft.com/office/drawing/2010/main" xmlns="" w="9525">
                   <a:solidFill>
                     <a:srgbClr val="000000"/>
                   </a:solidFill>
@@ -1052,7 +1054,7 @@
             </a:ln>
             <a:extLst>
               <a:ext uri="{91240B29-F687-4f45-9708-019B960494DF}">
-                <a14:hiddenLine xmlns="" xmlns:a14="http://schemas.microsoft.com/office/drawing/2010/main" w="9525">
+                <a14:hiddenLine xmlns:a14="http://schemas.microsoft.com/office/drawing/2010/main" xmlns="" w="9525">
                   <a:solidFill>
                     <a:srgbClr val="000000"/>
                   </a:solidFill>
@@ -1114,7 +1116,7 @@
             </a:ln>
             <a:extLst>
               <a:ext uri="{91240B29-F687-4f45-9708-019B960494DF}">
-                <a14:hiddenLine xmlns="" xmlns:a14="http://schemas.microsoft.com/office/drawing/2010/main" w="9525">
+                <a14:hiddenLine xmlns:a14="http://schemas.microsoft.com/office/drawing/2010/main" xmlns="" w="9525">
                   <a:solidFill>
                     <a:srgbClr val="000000"/>
                   </a:solidFill>
@@ -1224,7 +1226,7 @@
             </a:ln>
             <a:extLst>
               <a:ext uri="{91240B29-F687-4f45-9708-019B960494DF}">
-                <a14:hiddenLine xmlns="" xmlns:a14="http://schemas.microsoft.com/office/drawing/2010/main" w="9525">
+                <a14:hiddenLine xmlns:a14="http://schemas.microsoft.com/office/drawing/2010/main" xmlns="" w="9525">
                   <a:solidFill>
                     <a:srgbClr val="000000"/>
                   </a:solidFill>
@@ -1286,7 +1288,7 @@
             </a:ln>
             <a:extLst>
               <a:ext uri="{91240B29-F687-4f45-9708-019B960494DF}">
-                <a14:hiddenLine xmlns="" xmlns:a14="http://schemas.microsoft.com/office/drawing/2010/main" w="9525">
+                <a14:hiddenLine xmlns:a14="http://schemas.microsoft.com/office/drawing/2010/main" xmlns="" w="9525">
                   <a:solidFill>
                     <a:srgbClr val="000000"/>
                   </a:solidFill>
@@ -1376,7 +1378,7 @@
             </a:ln>
             <a:extLst>
               <a:ext uri="{91240B29-F687-4f45-9708-019B960494DF}">
-                <a14:hiddenLine xmlns="" xmlns:a14="http://schemas.microsoft.com/office/drawing/2010/main" w="9525">
+                <a14:hiddenLine xmlns:a14="http://schemas.microsoft.com/office/drawing/2010/main" xmlns="" w="9525">
                   <a:solidFill>
                     <a:srgbClr val="000000"/>
                   </a:solidFill>
@@ -1466,7 +1468,7 @@
             </a:ln>
             <a:extLst>
               <a:ext uri="{91240B29-F687-4f45-9708-019B960494DF}">
-                <a14:hiddenLine xmlns="" xmlns:a14="http://schemas.microsoft.com/office/drawing/2010/main" w="9525">
+                <a14:hiddenLine xmlns:a14="http://schemas.microsoft.com/office/drawing/2010/main" xmlns="" w="9525">
                   <a:solidFill>
                     <a:srgbClr val="000000"/>
                   </a:solidFill>
@@ -1528,7 +1530,7 @@
             </a:ln>
             <a:extLst>
               <a:ext uri="{91240B29-F687-4f45-9708-019B960494DF}">
-                <a14:hiddenLine xmlns="" xmlns:a14="http://schemas.microsoft.com/office/drawing/2010/main" w="9525">
+                <a14:hiddenLine xmlns:a14="http://schemas.microsoft.com/office/drawing/2010/main" xmlns="" w="9525">
                   <a:solidFill>
                     <a:srgbClr val="000000"/>
                   </a:solidFill>
@@ -1618,7 +1620,7 @@
             </a:ln>
             <a:extLst>
               <a:ext uri="{91240B29-F687-4f45-9708-019B960494DF}">
-                <a14:hiddenLine xmlns="" xmlns:a14="http://schemas.microsoft.com/office/drawing/2010/main" w="9525">
+                <a14:hiddenLine xmlns:a14="http://schemas.microsoft.com/office/drawing/2010/main" xmlns="" w="9525">
                   <a:solidFill>
                     <a:srgbClr val="000000"/>
                   </a:solidFill>
@@ -1708,7 +1710,7 @@
             </a:ln>
             <a:extLst>
               <a:ext uri="{91240B29-F687-4f45-9708-019B960494DF}">
-                <a14:hiddenLine xmlns="" xmlns:a14="http://schemas.microsoft.com/office/drawing/2010/main" w="9525">
+                <a14:hiddenLine xmlns:a14="http://schemas.microsoft.com/office/drawing/2010/main" xmlns="" w="9525">
                   <a:solidFill>
                     <a:srgbClr val="000000"/>
                   </a:solidFill>
@@ -1764,7 +1766,7 @@
             </a:ln>
             <a:extLst>
               <a:ext uri="{91240B29-F687-4f45-9708-019B960494DF}">
-                <a14:hiddenLine xmlns="" xmlns:a14="http://schemas.microsoft.com/office/drawing/2010/main" w="9525">
+                <a14:hiddenLine xmlns:a14="http://schemas.microsoft.com/office/drawing/2010/main" xmlns="" w="9525">
                   <a:solidFill>
                     <a:srgbClr val="000000"/>
                   </a:solidFill>
@@ -1854,7 +1856,7 @@
             </a:ln>
             <a:extLst>
               <a:ext uri="{91240B29-F687-4f45-9708-019B960494DF}">
-                <a14:hiddenLine xmlns="" xmlns:a14="http://schemas.microsoft.com/office/drawing/2010/main" w="9525">
+                <a14:hiddenLine xmlns:a14="http://schemas.microsoft.com/office/drawing/2010/main" xmlns="" w="9525">
                   <a:solidFill>
                     <a:srgbClr val="000000"/>
                   </a:solidFill>
@@ -1910,7 +1912,7 @@
             </a:ln>
             <a:extLst>
               <a:ext uri="{91240B29-F687-4f45-9708-019B960494DF}">
-                <a14:hiddenLine xmlns="" xmlns:a14="http://schemas.microsoft.com/office/drawing/2010/main" w="9525">
+                <a14:hiddenLine xmlns:a14="http://schemas.microsoft.com/office/drawing/2010/main" xmlns="" w="9525">
                   <a:solidFill>
                     <a:srgbClr val="000000"/>
                   </a:solidFill>
@@ -2000,7 +2002,7 @@
             </a:ln>
             <a:extLst>
               <a:ext uri="{91240B29-F687-4f45-9708-019B960494DF}">
-                <a14:hiddenLine xmlns="" xmlns:a14="http://schemas.microsoft.com/office/drawing/2010/main" w="9525">
+                <a14:hiddenLine xmlns:a14="http://schemas.microsoft.com/office/drawing/2010/main" xmlns="" w="9525">
                   <a:solidFill>
                     <a:srgbClr val="000000"/>
                   </a:solidFill>
@@ -2068,7 +2070,7 @@
             </a:ln>
             <a:extLst>
               <a:ext uri="{91240B29-F687-4f45-9708-019B960494DF}">
-                <a14:hiddenLine xmlns="" xmlns:a14="http://schemas.microsoft.com/office/drawing/2010/main" w="9525">
+                <a14:hiddenLine xmlns:a14="http://schemas.microsoft.com/office/drawing/2010/main" xmlns="" w="9525">
                   <a:solidFill>
                     <a:srgbClr val="000000"/>
                   </a:solidFill>
@@ -2158,7 +2160,7 @@
             </a:ln>
             <a:extLst>
               <a:ext uri="{91240B29-F687-4f45-9708-019B960494DF}">
-                <a14:hiddenLine xmlns="" xmlns:a14="http://schemas.microsoft.com/office/drawing/2010/main" w="9525">
+                <a14:hiddenLine xmlns:a14="http://schemas.microsoft.com/office/drawing/2010/main" xmlns="" w="9525">
                   <a:solidFill>
                     <a:srgbClr val="000000"/>
                   </a:solidFill>
@@ -2226,7 +2228,7 @@
             </a:ln>
             <a:extLst>
               <a:ext uri="{91240B29-F687-4f45-9708-019B960494DF}">
-                <a14:hiddenLine xmlns="" xmlns:a14="http://schemas.microsoft.com/office/drawing/2010/main" w="9525">
+                <a14:hiddenLine xmlns:a14="http://schemas.microsoft.com/office/drawing/2010/main" xmlns="" w="9525">
                   <a:solidFill>
                     <a:srgbClr val="000000"/>
                   </a:solidFill>
@@ -2316,7 +2318,7 @@
             </a:ln>
             <a:extLst>
               <a:ext uri="{91240B29-F687-4f45-9708-019B960494DF}">
-                <a14:hiddenLine xmlns="" xmlns:a14="http://schemas.microsoft.com/office/drawing/2010/main" w="9525">
+                <a14:hiddenLine xmlns:a14="http://schemas.microsoft.com/office/drawing/2010/main" xmlns="" w="9525">
                   <a:solidFill>
                     <a:srgbClr val="000000"/>
                   </a:solidFill>
@@ -2350,7 +2352,7 @@
             </a:ln>
             <a:extLst>
               <a:ext uri="{91240B29-F687-4f45-9708-019B960494DF}">
-                <a14:hiddenLine xmlns="" xmlns:a14="http://schemas.microsoft.com/office/drawing/2010/main" w="9525">
+                <a14:hiddenLine xmlns:a14="http://schemas.microsoft.com/office/drawing/2010/main" xmlns="" w="9525">
                   <a:solidFill>
                     <a:srgbClr val="000000"/>
                   </a:solidFill>
@@ -2440,7 +2442,7 @@
             </a:ln>
             <a:extLst>
               <a:ext uri="{91240B29-F687-4f45-9708-019B960494DF}">
-                <a14:hiddenLine xmlns="" xmlns:a14="http://schemas.microsoft.com/office/drawing/2010/main" w="9525">
+                <a14:hiddenLine xmlns:a14="http://schemas.microsoft.com/office/drawing/2010/main" xmlns="" w="9525">
                   <a:solidFill>
                     <a:srgbClr val="000000"/>
                   </a:solidFill>
@@ -2502,7 +2504,7 @@
             </a:ln>
             <a:extLst>
               <a:ext uri="{91240B29-F687-4f45-9708-019B960494DF}">
-                <a14:hiddenLine xmlns="" xmlns:a14="http://schemas.microsoft.com/office/drawing/2010/main" w="9525">
+                <a14:hiddenLine xmlns:a14="http://schemas.microsoft.com/office/drawing/2010/main" xmlns="" w="9525">
                   <a:solidFill>
                     <a:srgbClr val="000000"/>
                   </a:solidFill>
@@ -2564,7 +2566,7 @@
             </a:ln>
             <a:extLst>
               <a:ext uri="{91240B29-F687-4f45-9708-019B960494DF}">
-                <a14:hiddenLine xmlns="" xmlns:a14="http://schemas.microsoft.com/office/drawing/2010/main" w="9525">
+                <a14:hiddenLine xmlns:a14="http://schemas.microsoft.com/office/drawing/2010/main" xmlns="" w="9525">
                   <a:solidFill>
                     <a:srgbClr val="000000"/>
                   </a:solidFill>
@@ -2654,7 +2656,7 @@
             </a:ln>
             <a:extLst>
               <a:ext uri="{91240B29-F687-4f45-9708-019B960494DF}">
-                <a14:hiddenLine xmlns="" xmlns:a14="http://schemas.microsoft.com/office/drawing/2010/main" w="9525">
+                <a14:hiddenLine xmlns:a14="http://schemas.microsoft.com/office/drawing/2010/main" xmlns="" w="9525">
                   <a:solidFill>
                     <a:srgbClr val="000000"/>
                   </a:solidFill>
@@ -2722,7 +2724,7 @@
             </a:ln>
             <a:extLst>
               <a:ext uri="{91240B29-F687-4f45-9708-019B960494DF}">
-                <a14:hiddenLine xmlns="" xmlns:a14="http://schemas.microsoft.com/office/drawing/2010/main" w="9525">
+                <a14:hiddenLine xmlns:a14="http://schemas.microsoft.com/office/drawing/2010/main" xmlns="" w="9525">
                   <a:solidFill>
                     <a:srgbClr val="000000"/>
                   </a:solidFill>
@@ -2784,7 +2786,7 @@
             </a:ln>
             <a:extLst>
               <a:ext uri="{91240B29-F687-4f45-9708-019B960494DF}">
-                <a14:hiddenLine xmlns="" xmlns:a14="http://schemas.microsoft.com/office/drawing/2010/main" w="9525">
+                <a14:hiddenLine xmlns:a14="http://schemas.microsoft.com/office/drawing/2010/main" xmlns="" w="9525">
                   <a:solidFill>
                     <a:srgbClr val="000000"/>
                   </a:solidFill>
@@ -2874,7 +2876,7 @@
             </a:ln>
             <a:extLst>
               <a:ext uri="{91240B29-F687-4f45-9708-019B960494DF}">
-                <a14:hiddenLine xmlns="" xmlns:a14="http://schemas.microsoft.com/office/drawing/2010/main" w="9525">
+                <a14:hiddenLine xmlns:a14="http://schemas.microsoft.com/office/drawing/2010/main" xmlns="" w="9525">
                   <a:solidFill>
                     <a:srgbClr val="000000"/>
                   </a:solidFill>
@@ -2936,7 +2938,7 @@
             </a:ln>
             <a:extLst>
               <a:ext uri="{91240B29-F687-4f45-9708-019B960494DF}">
-                <a14:hiddenLine xmlns="" xmlns:a14="http://schemas.microsoft.com/office/drawing/2010/main" w="9525">
+                <a14:hiddenLine xmlns:a14="http://schemas.microsoft.com/office/drawing/2010/main" xmlns="" w="9525">
                   <a:solidFill>
                     <a:srgbClr val="000000"/>
                   </a:solidFill>
@@ -3026,7 +3028,7 @@
             </a:ln>
             <a:extLst>
               <a:ext uri="{91240B29-F687-4f45-9708-019B960494DF}">
-                <a14:hiddenLine xmlns="" xmlns:a14="http://schemas.microsoft.com/office/drawing/2010/main" w="9525">
+                <a14:hiddenLine xmlns:a14="http://schemas.microsoft.com/office/drawing/2010/main" xmlns="" w="9525">
                   <a:solidFill>
                     <a:srgbClr val="000000"/>
                   </a:solidFill>
@@ -3088,7 +3090,7 @@
             </a:ln>
             <a:extLst>
               <a:ext uri="{91240B29-F687-4f45-9708-019B960494DF}">
-                <a14:hiddenLine xmlns="" xmlns:a14="http://schemas.microsoft.com/office/drawing/2010/main" w="9525">
+                <a14:hiddenLine xmlns:a14="http://schemas.microsoft.com/office/drawing/2010/main" xmlns="" w="9525">
                   <a:solidFill>
                     <a:srgbClr val="000000"/>
                   </a:solidFill>
@@ -3178,7 +3180,7 @@
             </a:ln>
             <a:extLst>
               <a:ext uri="{91240B29-F687-4f45-9708-019B960494DF}">
-                <a14:hiddenLine xmlns="" xmlns:a14="http://schemas.microsoft.com/office/drawing/2010/main" w="9525">
+                <a14:hiddenLine xmlns:a14="http://schemas.microsoft.com/office/drawing/2010/main" xmlns="" w="9525">
                   <a:solidFill>
                     <a:srgbClr val="000000"/>
                   </a:solidFill>
@@ -3212,7 +3214,7 @@
             </a:ln>
             <a:extLst>
               <a:ext uri="{91240B29-F687-4f45-9708-019B960494DF}">
-                <a14:hiddenLine xmlns="" xmlns:a14="http://schemas.microsoft.com/office/drawing/2010/main" w="9525">
+                <a14:hiddenLine xmlns:a14="http://schemas.microsoft.com/office/drawing/2010/main" xmlns="" w="9525">
                   <a:solidFill>
                     <a:srgbClr val="000000"/>
                   </a:solidFill>
@@ -3277,7 +3279,7 @@
             </a:ln>
             <a:extLst>
               <a:ext uri="{91240B29-F687-4f45-9708-019B960494DF}">
-                <a14:hiddenLine xmlns="" xmlns:a14="http://schemas.microsoft.com/office/drawing/2010/main" w="9525">
+                <a14:hiddenLine xmlns:a14="http://schemas.microsoft.com/office/drawing/2010/main" xmlns="" w="9525">
                   <a:solidFill>
                     <a:srgbClr val="000000"/>
                   </a:solidFill>
@@ -3367,7 +3369,7 @@
             </a:ln>
             <a:extLst>
               <a:ext uri="{91240B29-F687-4f45-9708-019B960494DF}">
-                <a14:hiddenLine xmlns="" xmlns:a14="http://schemas.microsoft.com/office/drawing/2010/main" w="9525">
+                <a14:hiddenLine xmlns:a14="http://schemas.microsoft.com/office/drawing/2010/main" xmlns="" w="9525">
                   <a:solidFill>
                     <a:srgbClr val="000000"/>
                   </a:solidFill>
@@ -3429,7 +3431,7 @@
             </a:ln>
             <a:extLst>
               <a:ext uri="{91240B29-F687-4f45-9708-019B960494DF}">
-                <a14:hiddenLine xmlns="" xmlns:a14="http://schemas.microsoft.com/office/drawing/2010/main" w="9525">
+                <a14:hiddenLine xmlns:a14="http://schemas.microsoft.com/office/drawing/2010/main" xmlns="" w="9525">
                   <a:solidFill>
                     <a:srgbClr val="000000"/>
                   </a:solidFill>
@@ -3519,7 +3521,7 @@
             </a:ln>
             <a:extLst>
               <a:ext uri="{91240B29-F687-4f45-9708-019B960494DF}">
-                <a14:hiddenLine xmlns="" xmlns:a14="http://schemas.microsoft.com/office/drawing/2010/main" w="9525">
+                <a14:hiddenLine xmlns:a14="http://schemas.microsoft.com/office/drawing/2010/main" xmlns="" w="9525">
                   <a:solidFill>
                     <a:srgbClr val="000000"/>
                   </a:solidFill>
@@ -3609,7 +3611,7 @@
             </a:ln>
             <a:extLst>
               <a:ext uri="{91240B29-F687-4f45-9708-019B960494DF}">
-                <a14:hiddenLine xmlns="" xmlns:a14="http://schemas.microsoft.com/office/drawing/2010/main" w="9525">
+                <a14:hiddenLine xmlns:a14="http://schemas.microsoft.com/office/drawing/2010/main" xmlns="" w="9525">
                   <a:solidFill>
                     <a:srgbClr val="000000"/>
                   </a:solidFill>
@@ -3674,7 +3676,7 @@
             </a:ln>
             <a:extLst>
               <a:ext uri="{91240B29-F687-4f45-9708-019B960494DF}">
-                <a14:hiddenLine xmlns="" xmlns:a14="http://schemas.microsoft.com/office/drawing/2010/main" w="9525">
+                <a14:hiddenLine xmlns:a14="http://schemas.microsoft.com/office/drawing/2010/main" xmlns="" w="9525">
                   <a:solidFill>
                     <a:srgbClr val="000000"/>
                   </a:solidFill>
@@ -3736,7 +3738,7 @@
             </a:ln>
             <a:extLst>
               <a:ext uri="{91240B29-F687-4f45-9708-019B960494DF}">
-                <a14:hiddenLine xmlns="" xmlns:a14="http://schemas.microsoft.com/office/drawing/2010/main" w="9525">
+                <a14:hiddenLine xmlns:a14="http://schemas.microsoft.com/office/drawing/2010/main" xmlns="" w="9525">
                   <a:solidFill>
                     <a:srgbClr val="000000"/>
                   </a:solidFill>
@@ -3826,7 +3828,7 @@
             </a:ln>
             <a:extLst>
               <a:ext uri="{91240B29-F687-4f45-9708-019B960494DF}">
-                <a14:hiddenLine xmlns="" xmlns:a14="http://schemas.microsoft.com/office/drawing/2010/main" w="9525">
+                <a14:hiddenLine xmlns:a14="http://schemas.microsoft.com/office/drawing/2010/main" xmlns="" w="9525">
                   <a:solidFill>
                     <a:srgbClr val="000000"/>
                   </a:solidFill>
@@ -3916,7 +3918,7 @@
             </a:ln>
             <a:extLst>
               <a:ext uri="{91240B29-F687-4f45-9708-019B960494DF}">
-                <a14:hiddenLine xmlns="" xmlns:a14="http://schemas.microsoft.com/office/drawing/2010/main" w="9525">
+                <a14:hiddenLine xmlns:a14="http://schemas.microsoft.com/office/drawing/2010/main" xmlns="" w="9525">
                   <a:solidFill>
                     <a:srgbClr val="000000"/>
                   </a:solidFill>
@@ -3978,7 +3980,7 @@
             </a:ln>
             <a:extLst>
               <a:ext uri="{91240B29-F687-4f45-9708-019B960494DF}">
-                <a14:hiddenLine xmlns="" xmlns:a14="http://schemas.microsoft.com/office/drawing/2010/main" w="9525">
+                <a14:hiddenLine xmlns:a14="http://schemas.microsoft.com/office/drawing/2010/main" xmlns="" w="9525">
                   <a:solidFill>
                     <a:srgbClr val="000000"/>
                   </a:solidFill>
@@ -4098,7 +4100,7 @@
             </a:ln>
             <a:extLst>
               <a:ext uri="{91240B29-F687-4f45-9708-019B960494DF}">
-                <a14:hiddenLine xmlns="" xmlns:a14="http://schemas.microsoft.com/office/drawing/2010/main" w="9525">
+                <a14:hiddenLine xmlns:a14="http://schemas.microsoft.com/office/drawing/2010/main" xmlns="" w="9525">
                   <a:solidFill>
                     <a:srgbClr val="000000"/>
                   </a:solidFill>
@@ -4166,7 +4168,7 @@
             </a:ln>
             <a:extLst>
               <a:ext uri="{91240B29-F687-4f45-9708-019B960494DF}">
-                <a14:hiddenLine xmlns="" xmlns:a14="http://schemas.microsoft.com/office/drawing/2010/main" w="9525">
+                <a14:hiddenLine xmlns:a14="http://schemas.microsoft.com/office/drawing/2010/main" xmlns="" w="9525">
                   <a:solidFill>
                     <a:srgbClr val="000000"/>
                   </a:solidFill>
@@ -4256,7 +4258,7 @@
             </a:ln>
             <a:extLst>
               <a:ext uri="{91240B29-F687-4f45-9708-019B960494DF}">
-                <a14:hiddenLine xmlns="" xmlns:a14="http://schemas.microsoft.com/office/drawing/2010/main" w="9525">
+                <a14:hiddenLine xmlns:a14="http://schemas.microsoft.com/office/drawing/2010/main" xmlns="" w="9525">
                   <a:solidFill>
                     <a:srgbClr val="000000"/>
                   </a:solidFill>
@@ -9063,7 +9065,7 @@
           <a:noFill/>
           <a:extLst>
             <a:ext uri="{909E8E84-426E-40dd-AFC4-6F175D3DCCD1}">
-              <a14:hiddenFill xmlns="" xmlns:a14="http://schemas.microsoft.com/office/drawing/2010/main">
+              <a14:hiddenFill xmlns:a14="http://schemas.microsoft.com/office/drawing/2010/main" xmlns="">
                 <a:solidFill>
                   <a:srgbClr val="FFFFFF"/>
                 </a:solidFill>
@@ -9137,7 +9139,7 @@
               </a:ln>
               <a:extLst>
                 <a:ext uri="{91240B29-F687-4f45-9708-019B960494DF}">
-                  <a14:hiddenLine xmlns="" xmlns:a14="http://schemas.microsoft.com/office/drawing/2010/main" w="9525">
+                  <a14:hiddenLine xmlns:a14="http://schemas.microsoft.com/office/drawing/2010/main" xmlns="" w="9525">
                     <a:solidFill>
                       <a:srgbClr val="000000"/>
                     </a:solidFill>
@@ -9227,7 +9229,7 @@
               </a:ln>
               <a:extLst>
                 <a:ext uri="{91240B29-F687-4f45-9708-019B960494DF}">
-                  <a14:hiddenLine xmlns="" xmlns:a14="http://schemas.microsoft.com/office/drawing/2010/main" w="9525">
+                  <a14:hiddenLine xmlns:a14="http://schemas.microsoft.com/office/drawing/2010/main" xmlns="" w="9525">
                     <a:solidFill>
                       <a:srgbClr val="000000"/>
                     </a:solidFill>
@@ -9317,7 +9319,7 @@
               </a:ln>
               <a:extLst>
                 <a:ext uri="{91240B29-F687-4f45-9708-019B960494DF}">
-                  <a14:hiddenLine xmlns="" xmlns:a14="http://schemas.microsoft.com/office/drawing/2010/main" w="9525">
+                  <a14:hiddenLine xmlns:a14="http://schemas.microsoft.com/office/drawing/2010/main" xmlns="" w="9525">
                     <a:solidFill>
                       <a:srgbClr val="000000"/>
                     </a:solidFill>
@@ -9379,7 +9381,7 @@
               </a:ln>
               <a:extLst>
                 <a:ext uri="{91240B29-F687-4f45-9708-019B960494DF}">
-                  <a14:hiddenLine xmlns="" xmlns:a14="http://schemas.microsoft.com/office/drawing/2010/main" w="9525">
+                  <a14:hiddenLine xmlns:a14="http://schemas.microsoft.com/office/drawing/2010/main" xmlns="" w="9525">
                     <a:solidFill>
                       <a:srgbClr val="000000"/>
                     </a:solidFill>
@@ -9469,7 +9471,7 @@
               </a:ln>
               <a:extLst>
                 <a:ext uri="{91240B29-F687-4f45-9708-019B960494DF}">
-                  <a14:hiddenLine xmlns="" xmlns:a14="http://schemas.microsoft.com/office/drawing/2010/main" w="9525">
+                  <a14:hiddenLine xmlns:a14="http://schemas.microsoft.com/office/drawing/2010/main" xmlns="" w="9525">
                     <a:solidFill>
                       <a:srgbClr val="000000"/>
                     </a:solidFill>
@@ -9531,7 +9533,7 @@
               </a:ln>
               <a:extLst>
                 <a:ext uri="{91240B29-F687-4f45-9708-019B960494DF}">
-                  <a14:hiddenLine xmlns="" xmlns:a14="http://schemas.microsoft.com/office/drawing/2010/main" w="9525">
+                  <a14:hiddenLine xmlns:a14="http://schemas.microsoft.com/office/drawing/2010/main" xmlns="" w="9525">
                     <a:solidFill>
                       <a:srgbClr val="000000"/>
                     </a:solidFill>
@@ -9593,7 +9595,7 @@
               </a:ln>
               <a:extLst>
                 <a:ext uri="{91240B29-F687-4f45-9708-019B960494DF}">
-                  <a14:hiddenLine xmlns="" xmlns:a14="http://schemas.microsoft.com/office/drawing/2010/main" w="9525">
+                  <a14:hiddenLine xmlns:a14="http://schemas.microsoft.com/office/drawing/2010/main" xmlns="" w="9525">
                     <a:solidFill>
                       <a:srgbClr val="000000"/>
                     </a:solidFill>
@@ -9683,7 +9685,7 @@
               </a:ln>
               <a:extLst>
                 <a:ext uri="{91240B29-F687-4f45-9708-019B960494DF}">
-                  <a14:hiddenLine xmlns="" xmlns:a14="http://schemas.microsoft.com/office/drawing/2010/main" w="9525">
+                  <a14:hiddenLine xmlns:a14="http://schemas.microsoft.com/office/drawing/2010/main" xmlns="" w="9525">
                     <a:solidFill>
                       <a:srgbClr val="000000"/>
                     </a:solidFill>
@@ -9773,7 +9775,7 @@
               </a:ln>
               <a:extLst>
                 <a:ext uri="{91240B29-F687-4f45-9708-019B960494DF}">
-                  <a14:hiddenLine xmlns="" xmlns:a14="http://schemas.microsoft.com/office/drawing/2010/main" w="9525">
+                  <a14:hiddenLine xmlns:a14="http://schemas.microsoft.com/office/drawing/2010/main" xmlns="" w="9525">
                     <a:solidFill>
                       <a:srgbClr val="000000"/>
                     </a:solidFill>
@@ -9835,7 +9837,7 @@
               </a:ln>
               <a:extLst>
                 <a:ext uri="{91240B29-F687-4f45-9708-019B960494DF}">
-                  <a14:hiddenLine xmlns="" xmlns:a14="http://schemas.microsoft.com/office/drawing/2010/main" w="9525">
+                  <a14:hiddenLine xmlns:a14="http://schemas.microsoft.com/office/drawing/2010/main" xmlns="" w="9525">
                     <a:solidFill>
                       <a:srgbClr val="000000"/>
                     </a:solidFill>
@@ -9945,7 +9947,7 @@
               </a:ln>
               <a:extLst>
                 <a:ext uri="{91240B29-F687-4f45-9708-019B960494DF}">
-                  <a14:hiddenLine xmlns="" xmlns:a14="http://schemas.microsoft.com/office/drawing/2010/main" w="9525">
+                  <a14:hiddenLine xmlns:a14="http://schemas.microsoft.com/office/drawing/2010/main" xmlns="" w="9525">
                     <a:solidFill>
                       <a:srgbClr val="000000"/>
                     </a:solidFill>
@@ -10029,7 +10031,7 @@
               </a:ln>
               <a:extLst>
                 <a:ext uri="{91240B29-F687-4f45-9708-019B960494DF}">
-                  <a14:hiddenLine xmlns="" xmlns:a14="http://schemas.microsoft.com/office/drawing/2010/main" w="9525">
+                  <a14:hiddenLine xmlns:a14="http://schemas.microsoft.com/office/drawing/2010/main" xmlns="" w="9525">
                     <a:solidFill>
                       <a:srgbClr val="000000"/>
                     </a:solidFill>
@@ -10091,7 +10093,7 @@
               </a:ln>
               <a:extLst>
                 <a:ext uri="{91240B29-F687-4f45-9708-019B960494DF}">
-                  <a14:hiddenLine xmlns="" xmlns:a14="http://schemas.microsoft.com/office/drawing/2010/main" w="9525">
+                  <a14:hiddenLine xmlns:a14="http://schemas.microsoft.com/office/drawing/2010/main" xmlns="" w="9525">
                     <a:solidFill>
                       <a:srgbClr val="000000"/>
                     </a:solidFill>
@@ -10153,7 +10155,7 @@
               </a:ln>
               <a:extLst>
                 <a:ext uri="{91240B29-F687-4f45-9708-019B960494DF}">
-                  <a14:hiddenLine xmlns="" xmlns:a14="http://schemas.microsoft.com/office/drawing/2010/main" w="9525">
+                  <a14:hiddenLine xmlns:a14="http://schemas.microsoft.com/office/drawing/2010/main" xmlns="" w="9525">
                     <a:solidFill>
                       <a:srgbClr val="000000"/>
                     </a:solidFill>
@@ -10243,7 +10245,7 @@
               </a:ln>
               <a:extLst>
                 <a:ext uri="{91240B29-F687-4f45-9708-019B960494DF}">
-                  <a14:hiddenLine xmlns="" xmlns:a14="http://schemas.microsoft.com/office/drawing/2010/main" w="9525">
+                  <a14:hiddenLine xmlns:a14="http://schemas.microsoft.com/office/drawing/2010/main" xmlns="" w="9525">
                     <a:solidFill>
                       <a:srgbClr val="000000"/>
                     </a:solidFill>
@@ -10277,7 +10279,7 @@
               </a:ln>
               <a:extLst>
                 <a:ext uri="{91240B29-F687-4f45-9708-019B960494DF}">
-                  <a14:hiddenLine xmlns="" xmlns:a14="http://schemas.microsoft.com/office/drawing/2010/main" w="9525">
+                  <a14:hiddenLine xmlns:a14="http://schemas.microsoft.com/office/drawing/2010/main" xmlns="" w="9525">
                     <a:solidFill>
                       <a:srgbClr val="000000"/>
                     </a:solidFill>
@@ -10342,7 +10344,7 @@
               </a:ln>
               <a:extLst>
                 <a:ext uri="{91240B29-F687-4f45-9708-019B960494DF}">
-                  <a14:hiddenLine xmlns="" xmlns:a14="http://schemas.microsoft.com/office/drawing/2010/main" w="9525">
+                  <a14:hiddenLine xmlns:a14="http://schemas.microsoft.com/office/drawing/2010/main" xmlns="" w="9525">
                     <a:solidFill>
                       <a:srgbClr val="000000"/>
                     </a:solidFill>
@@ -10432,7 +10434,7 @@
               </a:ln>
               <a:extLst>
                 <a:ext uri="{91240B29-F687-4f45-9708-019B960494DF}">
-                  <a14:hiddenLine xmlns="" xmlns:a14="http://schemas.microsoft.com/office/drawing/2010/main" w="9525">
+                  <a14:hiddenLine xmlns:a14="http://schemas.microsoft.com/office/drawing/2010/main" xmlns="" w="9525">
                     <a:solidFill>
                       <a:srgbClr val="000000"/>
                     </a:solidFill>
@@ -10494,7 +10496,7 @@
               </a:ln>
               <a:extLst>
                 <a:ext uri="{91240B29-F687-4f45-9708-019B960494DF}">
-                  <a14:hiddenLine xmlns="" xmlns:a14="http://schemas.microsoft.com/office/drawing/2010/main" w="9525">
+                  <a14:hiddenLine xmlns:a14="http://schemas.microsoft.com/office/drawing/2010/main" xmlns="" w="9525">
                     <a:solidFill>
                       <a:srgbClr val="000000"/>
                     </a:solidFill>
@@ -10584,7 +10586,7 @@
               </a:ln>
               <a:extLst>
                 <a:ext uri="{91240B29-F687-4f45-9708-019B960494DF}">
-                  <a14:hiddenLine xmlns="" xmlns:a14="http://schemas.microsoft.com/office/drawing/2010/main" w="9525">
+                  <a14:hiddenLine xmlns:a14="http://schemas.microsoft.com/office/drawing/2010/main" xmlns="" w="9525">
                     <a:solidFill>
                       <a:srgbClr val="000000"/>
                     </a:solidFill>
@@ -10649,7 +10651,7 @@
               </a:ln>
               <a:extLst>
                 <a:ext uri="{91240B29-F687-4f45-9708-019B960494DF}">
-                  <a14:hiddenLine xmlns="" xmlns:a14="http://schemas.microsoft.com/office/drawing/2010/main" w="9525">
+                  <a14:hiddenLine xmlns:a14="http://schemas.microsoft.com/office/drawing/2010/main" xmlns="" w="9525">
                     <a:solidFill>
                       <a:srgbClr val="000000"/>
                     </a:solidFill>
@@ -10711,7 +10713,7 @@
               </a:ln>
               <a:extLst>
                 <a:ext uri="{91240B29-F687-4f45-9708-019B960494DF}">
-                  <a14:hiddenLine xmlns="" xmlns:a14="http://schemas.microsoft.com/office/drawing/2010/main" w="9525">
+                  <a14:hiddenLine xmlns:a14="http://schemas.microsoft.com/office/drawing/2010/main" xmlns="" w="9525">
                     <a:solidFill>
                       <a:srgbClr val="000000"/>
                     </a:solidFill>
@@ -10801,7 +10803,7 @@
               </a:ln>
               <a:extLst>
                 <a:ext uri="{91240B29-F687-4f45-9708-019B960494DF}">
-                  <a14:hiddenLine xmlns="" xmlns:a14="http://schemas.microsoft.com/office/drawing/2010/main" w="9525">
+                  <a14:hiddenLine xmlns:a14="http://schemas.microsoft.com/office/drawing/2010/main" xmlns="" w="9525">
                     <a:solidFill>
                       <a:srgbClr val="000000"/>
                     </a:solidFill>
@@ -10891,7 +10893,7 @@
               </a:ln>
               <a:extLst>
                 <a:ext uri="{91240B29-F687-4f45-9708-019B960494DF}">
-                  <a14:hiddenLine xmlns="" xmlns:a14="http://schemas.microsoft.com/office/drawing/2010/main" w="9525">
+                  <a14:hiddenLine xmlns:a14="http://schemas.microsoft.com/office/drawing/2010/main" xmlns="" w="9525">
                     <a:solidFill>
                       <a:srgbClr val="000000"/>
                     </a:solidFill>
@@ -10956,7 +10958,7 @@
               </a:ln>
               <a:extLst>
                 <a:ext uri="{91240B29-F687-4f45-9708-019B960494DF}">
-                  <a14:hiddenLine xmlns="" xmlns:a14="http://schemas.microsoft.com/office/drawing/2010/main" w="9525">
+                  <a14:hiddenLine xmlns:a14="http://schemas.microsoft.com/office/drawing/2010/main" xmlns="" w="9525">
                     <a:solidFill>
                       <a:srgbClr val="000000"/>
                     </a:solidFill>
@@ -11076,7 +11078,7 @@
               </a:ln>
               <a:extLst>
                 <a:ext uri="{91240B29-F687-4f45-9708-019B960494DF}">
-                  <a14:hiddenLine xmlns="" xmlns:a14="http://schemas.microsoft.com/office/drawing/2010/main" w="9525">
+                  <a14:hiddenLine xmlns:a14="http://schemas.microsoft.com/office/drawing/2010/main" xmlns="" w="9525">
                     <a:solidFill>
                       <a:srgbClr val="000000"/>
                     </a:solidFill>
@@ -11174,7 +11176,7 @@
               </a:ln>
               <a:extLst>
                 <a:ext uri="{91240B29-F687-4f45-9708-019B960494DF}">
-                  <a14:hiddenLine xmlns="" xmlns:a14="http://schemas.microsoft.com/office/drawing/2010/main" w="9525">
+                  <a14:hiddenLine xmlns:a14="http://schemas.microsoft.com/office/drawing/2010/main" xmlns="" w="9525">
                     <a:solidFill>
                       <a:srgbClr val="000000"/>
                     </a:solidFill>
@@ -11289,7 +11291,7 @@
               </a:ln>
               <a:extLst>
                 <a:ext uri="{91240B29-F687-4f45-9708-019B960494DF}">
-                  <a14:hiddenLine xmlns="" xmlns:a14="http://schemas.microsoft.com/office/drawing/2010/main" w="9525">
+                  <a14:hiddenLine xmlns:a14="http://schemas.microsoft.com/office/drawing/2010/main" xmlns="" w="9525">
                     <a:solidFill>
                       <a:srgbClr val="000000"/>
                     </a:solidFill>
@@ -11379,7 +11381,7 @@
               </a:ln>
               <a:extLst>
                 <a:ext uri="{91240B29-F687-4f45-9708-019B960494DF}">
-                  <a14:hiddenLine xmlns="" xmlns:a14="http://schemas.microsoft.com/office/drawing/2010/main" w="9525">
+                  <a14:hiddenLine xmlns:a14="http://schemas.microsoft.com/office/drawing/2010/main" xmlns="" w="9525">
                     <a:solidFill>
                       <a:srgbClr val="000000"/>
                     </a:solidFill>
@@ -11444,7 +11446,7 @@
               </a:ln>
               <a:extLst>
                 <a:ext uri="{91240B29-F687-4f45-9708-019B960494DF}">
-                  <a14:hiddenLine xmlns="" xmlns:a14="http://schemas.microsoft.com/office/drawing/2010/main" w="9525">
+                  <a14:hiddenLine xmlns:a14="http://schemas.microsoft.com/office/drawing/2010/main" xmlns="" w="9525">
                     <a:solidFill>
                       <a:srgbClr val="000000"/>
                     </a:solidFill>
@@ -11534,7 +11536,7 @@
               </a:ln>
               <a:extLst>
                 <a:ext uri="{91240B29-F687-4f45-9708-019B960494DF}">
-                  <a14:hiddenLine xmlns="" xmlns:a14="http://schemas.microsoft.com/office/drawing/2010/main" w="9525">
+                  <a14:hiddenLine xmlns:a14="http://schemas.microsoft.com/office/drawing/2010/main" xmlns="" w="9525">
                     <a:solidFill>
                       <a:srgbClr val="000000"/>
                     </a:solidFill>
@@ -11602,7 +11604,7 @@
               </a:ln>
               <a:extLst>
                 <a:ext uri="{91240B29-F687-4f45-9708-019B960494DF}">
-                  <a14:hiddenLine xmlns="" xmlns:a14="http://schemas.microsoft.com/office/drawing/2010/main" w="9525">
+                  <a14:hiddenLine xmlns:a14="http://schemas.microsoft.com/office/drawing/2010/main" xmlns="" w="9525">
                     <a:solidFill>
                       <a:srgbClr val="000000"/>
                     </a:solidFill>
@@ -11692,7 +11694,7 @@
               </a:ln>
               <a:extLst>
                 <a:ext uri="{91240B29-F687-4f45-9708-019B960494DF}">
-                  <a14:hiddenLine xmlns="" xmlns:a14="http://schemas.microsoft.com/office/drawing/2010/main" w="9525">
+                  <a14:hiddenLine xmlns:a14="http://schemas.microsoft.com/office/drawing/2010/main" xmlns="" w="9525">
                     <a:solidFill>
                       <a:srgbClr val="000000"/>
                     </a:solidFill>
@@ -11760,7 +11762,7 @@
               </a:ln>
               <a:extLst>
                 <a:ext uri="{91240B29-F687-4f45-9708-019B960494DF}">
-                  <a14:hiddenLine xmlns="" xmlns:a14="http://schemas.microsoft.com/office/drawing/2010/main" w="9525">
+                  <a14:hiddenLine xmlns:a14="http://schemas.microsoft.com/office/drawing/2010/main" xmlns="" w="9525">
                     <a:solidFill>
                       <a:srgbClr val="000000"/>
                     </a:solidFill>
@@ -11850,7 +11852,7 @@
               </a:ln>
               <a:extLst>
                 <a:ext uri="{91240B29-F687-4f45-9708-019B960494DF}">
-                  <a14:hiddenLine xmlns="" xmlns:a14="http://schemas.microsoft.com/office/drawing/2010/main" w="9525">
+                  <a14:hiddenLine xmlns:a14="http://schemas.microsoft.com/office/drawing/2010/main" xmlns="" w="9525">
                     <a:solidFill>
                       <a:srgbClr val="000000"/>
                     </a:solidFill>
@@ -11884,7 +11886,7 @@
               </a:ln>
               <a:extLst>
                 <a:ext uri="{91240B29-F687-4f45-9708-019B960494DF}">
-                  <a14:hiddenLine xmlns="" xmlns:a14="http://schemas.microsoft.com/office/drawing/2010/main" w="9525">
+                  <a14:hiddenLine xmlns:a14="http://schemas.microsoft.com/office/drawing/2010/main" xmlns="" w="9525">
                     <a:solidFill>
                       <a:srgbClr val="000000"/>
                     </a:solidFill>
@@ -12520,6 +12522,223 @@
     <p:extLst>
       <p:ext uri="{BB962C8B-B14F-4D97-AF65-F5344CB8AC3E}">
         <p14:creationId xmlns:p14="http://schemas.microsoft.com/office/powerpoint/2010/main" val="3252265584"/>
+      </p:ext>
+    </p:extLst>
+  </p:cSld>
+  <p:clrMapOvr>
+    <a:masterClrMapping/>
+  </p:clrMapOvr>
+</p:sld>
+</file>
+
+<file path=ppt/slides/slide10.xml><?xml version="1.0" encoding="utf-8"?>
+<p:sld xmlns:a="http://schemas.openxmlformats.org/drawingml/2006/main" xmlns:r="http://schemas.openxmlformats.org/officeDocument/2006/relationships" xmlns:p="http://schemas.openxmlformats.org/presentationml/2006/main">
+  <p:cSld>
+    <p:spTree>
+      <p:nvGrpSpPr>
+        <p:cNvPr id="1" name=""/>
+        <p:cNvGrpSpPr/>
+        <p:nvPr/>
+      </p:nvGrpSpPr>
+      <p:grpSpPr>
+        <a:xfrm>
+          <a:off x="0" y="0"/>
+          <a:ext cx="0" cy="0"/>
+          <a:chOff x="0" y="0"/>
+          <a:chExt cx="0" cy="0"/>
+        </a:xfrm>
+      </p:grpSpPr>
+      <p:sp>
+        <p:nvSpPr>
+          <p:cNvPr id="2" name="Заголовок 1">
+            <a:extLst>
+              <a:ext uri="{FF2B5EF4-FFF2-40B4-BE49-F238E27FC236}">
+                <a16:creationId xmlns:a16="http://schemas.microsoft.com/office/drawing/2014/main" id="{98CB7C2C-5D9E-4294-BBB9-7AA1478E935D}"/>
+              </a:ext>
+            </a:extLst>
+          </p:cNvPr>
+          <p:cNvSpPr>
+            <a:spLocks noGrp="1"/>
+          </p:cNvSpPr>
+          <p:nvPr>
+            <p:ph type="title"/>
+          </p:nvPr>
+        </p:nvSpPr>
+        <p:spPr/>
+        <p:txBody>
+          <a:bodyPr/>
+          <a:lstStyle/>
+          <a:p>
+            <a:r>
+              <a:rPr lang="ru-RU" dirty="0"/>
+              <a:t>Заключение</a:t>
+            </a:r>
+          </a:p>
+        </p:txBody>
+      </p:sp>
+      <p:sp>
+        <p:nvSpPr>
+          <p:cNvPr id="3" name="Объект 2">
+            <a:extLst>
+              <a:ext uri="{FF2B5EF4-FFF2-40B4-BE49-F238E27FC236}">
+                <a16:creationId xmlns:a16="http://schemas.microsoft.com/office/drawing/2014/main" id="{726313EE-3D25-4A55-833B-A4408DB85DEC}"/>
+              </a:ext>
+            </a:extLst>
+          </p:cNvPr>
+          <p:cNvSpPr>
+            <a:spLocks noGrp="1"/>
+          </p:cNvSpPr>
+          <p:nvPr>
+            <p:ph idx="1"/>
+          </p:nvPr>
+        </p:nvSpPr>
+        <p:spPr/>
+        <p:txBody>
+          <a:bodyPr/>
+          <a:lstStyle/>
+          <a:p>
+            <a:r>
+              <a:rPr lang="ru-RU" dirty="0"/>
+              <a:t>Мы научились разрабатывать сайты на </a:t>
+            </a:r>
+            <a:r>
+              <a:rPr lang="en-US" dirty="0"/>
+              <a:t>flask</a:t>
+            </a:r>
+            <a:r>
+              <a:rPr lang="ru-RU" dirty="0"/>
+              <a:t>. Более подробно изучили как работать с базой данных </a:t>
+            </a:r>
+            <a:r>
+              <a:rPr lang="en-US" dirty="0" err="1"/>
+              <a:t>sqlite</a:t>
+            </a:r>
+            <a:r>
+              <a:rPr lang="en-US" dirty="0"/>
+              <a:t>.</a:t>
+            </a:r>
+            <a:endParaRPr lang="ru-RU" dirty="0"/>
+          </a:p>
+        </p:txBody>
+      </p:sp>
+    </p:spTree>
+    <p:extLst>
+      <p:ext uri="{BB962C8B-B14F-4D97-AF65-F5344CB8AC3E}">
+        <p14:creationId xmlns:p14="http://schemas.microsoft.com/office/powerpoint/2010/main" val="2486606197"/>
+      </p:ext>
+    </p:extLst>
+  </p:cSld>
+  <p:clrMapOvr>
+    <a:masterClrMapping/>
+  </p:clrMapOvr>
+</p:sld>
+</file>
+
+<file path=ppt/slides/slide11.xml><?xml version="1.0" encoding="utf-8"?>
+<p:sld xmlns:a="http://schemas.openxmlformats.org/drawingml/2006/main" xmlns:r="http://schemas.openxmlformats.org/officeDocument/2006/relationships" xmlns:p="http://schemas.openxmlformats.org/presentationml/2006/main">
+  <p:cSld>
+    <p:spTree>
+      <p:nvGrpSpPr>
+        <p:cNvPr id="1" name=""/>
+        <p:cNvGrpSpPr/>
+        <p:nvPr/>
+      </p:nvGrpSpPr>
+      <p:grpSpPr>
+        <a:xfrm>
+          <a:off x="0" y="0"/>
+          <a:ext cx="0" cy="0"/>
+          <a:chOff x="0" y="0"/>
+          <a:chExt cx="0" cy="0"/>
+        </a:xfrm>
+      </p:grpSpPr>
+      <p:sp>
+        <p:nvSpPr>
+          <p:cNvPr id="2" name="Заголовок 1">
+            <a:extLst>
+              <a:ext uri="{FF2B5EF4-FFF2-40B4-BE49-F238E27FC236}">
+                <a16:creationId xmlns:a16="http://schemas.microsoft.com/office/drawing/2014/main" id="{231FE79A-757A-48F5-A45E-DC829282819A}"/>
+              </a:ext>
+            </a:extLst>
+          </p:cNvPr>
+          <p:cNvSpPr>
+            <a:spLocks noGrp="1"/>
+          </p:cNvSpPr>
+          <p:nvPr>
+            <p:ph type="title"/>
+          </p:nvPr>
+        </p:nvSpPr>
+        <p:spPr/>
+        <p:txBody>
+          <a:bodyPr/>
+          <a:lstStyle/>
+          <a:p>
+            <a:r>
+              <a:rPr lang="ru-RU" dirty="0"/>
+              <a:t>Перспективы в развитии</a:t>
+            </a:r>
+          </a:p>
+        </p:txBody>
+      </p:sp>
+      <p:sp>
+        <p:nvSpPr>
+          <p:cNvPr id="3" name="Объект 2">
+            <a:extLst>
+              <a:ext uri="{FF2B5EF4-FFF2-40B4-BE49-F238E27FC236}">
+                <a16:creationId xmlns:a16="http://schemas.microsoft.com/office/drawing/2014/main" id="{D32F4BB7-3062-4469-8168-9EABDE7CFFC8}"/>
+              </a:ext>
+            </a:extLst>
+          </p:cNvPr>
+          <p:cNvSpPr>
+            <a:spLocks noGrp="1"/>
+          </p:cNvSpPr>
+          <p:nvPr>
+            <p:ph idx="1"/>
+          </p:nvPr>
+        </p:nvSpPr>
+        <p:spPr/>
+        <p:txBody>
+          <a:bodyPr/>
+          <a:lstStyle/>
+          <a:p>
+            <a:r>
+              <a:rPr lang="ru-RU" dirty="0"/>
+              <a:t>Планируется добавить</a:t>
+            </a:r>
+            <a:r>
+              <a:rPr lang="en-US" dirty="0"/>
+              <a:t>:</a:t>
+            </a:r>
+          </a:p>
+          <a:p>
+            <a:r>
+              <a:rPr lang="ru-RU" dirty="0"/>
+              <a:t>Чат между пользователями.</a:t>
+            </a:r>
+          </a:p>
+          <a:p>
+            <a:r>
+              <a:rPr lang="ru-RU" dirty="0"/>
+              <a:t>Сортировка проектов по категориям.</a:t>
+            </a:r>
+          </a:p>
+          <a:p>
+            <a:r>
+              <a:rPr lang="ru-RU" dirty="0"/>
+              <a:t>Более точное описание проекта.</a:t>
+            </a:r>
+          </a:p>
+          <a:p>
+            <a:pPr marL="0" indent="0">
+              <a:buNone/>
+            </a:pPr>
+            <a:endParaRPr lang="ru-RU" dirty="0"/>
+          </a:p>
+        </p:txBody>
+      </p:sp>
+    </p:spTree>
+    <p:extLst>
+      <p:ext uri="{BB962C8B-B14F-4D97-AF65-F5344CB8AC3E}">
+        <p14:creationId xmlns:p14="http://schemas.microsoft.com/office/powerpoint/2010/main" val="2445435800"/>
       </p:ext>
     </p:extLst>
   </p:cSld>

--- a/ProjectGallery - защита.pptx
+++ b/ProjectGallery - защита.pptx
@@ -12518,6 +12518,42 @@
           </a:p>
         </p:txBody>
       </p:sp>
+      <p:pic>
+        <p:nvPicPr>
+          <p:cNvPr id="5" name="Рисунок 4">
+            <a:extLst>
+              <a:ext uri="{FF2B5EF4-FFF2-40B4-BE49-F238E27FC236}">
+                <a16:creationId xmlns:a16="http://schemas.microsoft.com/office/drawing/2014/main" id="{5B597956-7B24-40FE-B537-B7D3DAF8D083}"/>
+              </a:ext>
+            </a:extLst>
+          </p:cNvPr>
+          <p:cNvPicPr>
+            <a:picLocks noChangeAspect="1"/>
+          </p:cNvPicPr>
+          <p:nvPr/>
+        </p:nvPicPr>
+        <p:blipFill>
+          <a:blip r:embed="rId2">
+            <a:extLst>
+              <a:ext uri="{28A0092B-C50C-407E-A947-70E740481C1C}">
+                <a14:useLocalDpi xmlns:a14="http://schemas.microsoft.com/office/drawing/2010/main" val="0"/>
+              </a:ext>
+            </a:extLst>
+          </a:blip>
+          <a:stretch>
+            <a:fillRect/>
+          </a:stretch>
+        </p:blipFill>
+        <p:spPr>
+          <a:xfrm>
+            <a:off x="9451549" y="0"/>
+            <a:ext cx="2740451" cy="1370226"/>
+          </a:xfrm>
+          <a:prstGeom prst="rect">
+            <a:avLst/>
+          </a:prstGeom>
+        </p:spPr>
+      </p:pic>
     </p:spTree>
     <p:extLst>
       <p:ext uri="{BB962C8B-B14F-4D97-AF65-F5344CB8AC3E}">
@@ -12621,6 +12657,42 @@
           </a:p>
         </p:txBody>
       </p:sp>
+      <p:pic>
+        <p:nvPicPr>
+          <p:cNvPr id="4" name="Рисунок 3">
+            <a:extLst>
+              <a:ext uri="{FF2B5EF4-FFF2-40B4-BE49-F238E27FC236}">
+                <a16:creationId xmlns:a16="http://schemas.microsoft.com/office/drawing/2014/main" id="{59CC1EB5-204E-4737-89D4-DF939CB7D4BD}"/>
+              </a:ext>
+            </a:extLst>
+          </p:cNvPr>
+          <p:cNvPicPr>
+            <a:picLocks noChangeAspect="1"/>
+          </p:cNvPicPr>
+          <p:nvPr/>
+        </p:nvPicPr>
+        <p:blipFill>
+          <a:blip r:embed="rId2">
+            <a:extLst>
+              <a:ext uri="{28A0092B-C50C-407E-A947-70E740481C1C}">
+                <a14:useLocalDpi xmlns:a14="http://schemas.microsoft.com/office/drawing/2010/main" val="0"/>
+              </a:ext>
+            </a:extLst>
+          </a:blip>
+          <a:stretch>
+            <a:fillRect/>
+          </a:stretch>
+        </p:blipFill>
+        <p:spPr>
+          <a:xfrm>
+            <a:off x="9451549" y="0"/>
+            <a:ext cx="2740451" cy="1370226"/>
+          </a:xfrm>
+          <a:prstGeom prst="rect">
+            <a:avLst/>
+          </a:prstGeom>
+        </p:spPr>
+      </p:pic>
     </p:spTree>
     <p:extLst>
       <p:ext uri="{BB962C8B-B14F-4D97-AF65-F5344CB8AC3E}">
@@ -12735,6 +12807,42 @@
           </a:p>
         </p:txBody>
       </p:sp>
+      <p:pic>
+        <p:nvPicPr>
+          <p:cNvPr id="4" name="Рисунок 3">
+            <a:extLst>
+              <a:ext uri="{FF2B5EF4-FFF2-40B4-BE49-F238E27FC236}">
+                <a16:creationId xmlns:a16="http://schemas.microsoft.com/office/drawing/2014/main" id="{E233AF1B-220B-4791-870A-414F9D2F3524}"/>
+              </a:ext>
+            </a:extLst>
+          </p:cNvPr>
+          <p:cNvPicPr>
+            <a:picLocks noChangeAspect="1"/>
+          </p:cNvPicPr>
+          <p:nvPr/>
+        </p:nvPicPr>
+        <p:blipFill>
+          <a:blip r:embed="rId2">
+            <a:extLst>
+              <a:ext uri="{28A0092B-C50C-407E-A947-70E740481C1C}">
+                <a14:useLocalDpi xmlns:a14="http://schemas.microsoft.com/office/drawing/2010/main" val="0"/>
+              </a:ext>
+            </a:extLst>
+          </a:blip>
+          <a:stretch>
+            <a:fillRect/>
+          </a:stretch>
+        </p:blipFill>
+        <p:spPr>
+          <a:xfrm>
+            <a:off x="9451549" y="0"/>
+            <a:ext cx="2740451" cy="1370226"/>
+          </a:xfrm>
+          <a:prstGeom prst="rect">
+            <a:avLst/>
+          </a:prstGeom>
+        </p:spPr>
+      </p:pic>
     </p:spTree>
     <p:extLst>
       <p:ext uri="{BB962C8B-B14F-4D97-AF65-F5344CB8AC3E}">
@@ -12827,6 +12935,42 @@
           </a:p>
         </p:txBody>
       </p:sp>
+      <p:pic>
+        <p:nvPicPr>
+          <p:cNvPr id="4" name="Рисунок 3">
+            <a:extLst>
+              <a:ext uri="{FF2B5EF4-FFF2-40B4-BE49-F238E27FC236}">
+                <a16:creationId xmlns:a16="http://schemas.microsoft.com/office/drawing/2014/main" id="{11C6456B-086B-462E-9D44-1FF6562A6D94}"/>
+              </a:ext>
+            </a:extLst>
+          </p:cNvPr>
+          <p:cNvPicPr>
+            <a:picLocks noChangeAspect="1"/>
+          </p:cNvPicPr>
+          <p:nvPr/>
+        </p:nvPicPr>
+        <p:blipFill>
+          <a:blip r:embed="rId2">
+            <a:extLst>
+              <a:ext uri="{28A0092B-C50C-407E-A947-70E740481C1C}">
+                <a14:useLocalDpi xmlns:a14="http://schemas.microsoft.com/office/drawing/2010/main" val="0"/>
+              </a:ext>
+            </a:extLst>
+          </a:blip>
+          <a:stretch>
+            <a:fillRect/>
+          </a:stretch>
+        </p:blipFill>
+        <p:spPr>
+          <a:xfrm>
+            <a:off x="9451549" y="0"/>
+            <a:ext cx="2740451" cy="1370226"/>
+          </a:xfrm>
+          <a:prstGeom prst="rect">
+            <a:avLst/>
+          </a:prstGeom>
+        </p:spPr>
+      </p:pic>
     </p:spTree>
     <p:extLst>
       <p:ext uri="{BB962C8B-B14F-4D97-AF65-F5344CB8AC3E}">
@@ -12913,6 +13057,42 @@
           </a:p>
         </p:txBody>
       </p:sp>
+      <p:pic>
+        <p:nvPicPr>
+          <p:cNvPr id="4" name="Рисунок 3">
+            <a:extLst>
+              <a:ext uri="{FF2B5EF4-FFF2-40B4-BE49-F238E27FC236}">
+                <a16:creationId xmlns:a16="http://schemas.microsoft.com/office/drawing/2014/main" id="{4E0F0E33-BE86-4C23-934D-EF2CE9C009D6}"/>
+              </a:ext>
+            </a:extLst>
+          </p:cNvPr>
+          <p:cNvPicPr>
+            <a:picLocks noChangeAspect="1"/>
+          </p:cNvPicPr>
+          <p:nvPr/>
+        </p:nvPicPr>
+        <p:blipFill>
+          <a:blip r:embed="rId2">
+            <a:extLst>
+              <a:ext uri="{28A0092B-C50C-407E-A947-70E740481C1C}">
+                <a14:useLocalDpi xmlns:a14="http://schemas.microsoft.com/office/drawing/2010/main" val="0"/>
+              </a:ext>
+            </a:extLst>
+          </a:blip>
+          <a:stretch>
+            <a:fillRect/>
+          </a:stretch>
+        </p:blipFill>
+        <p:spPr>
+          <a:xfrm>
+            <a:off x="9451549" y="0"/>
+            <a:ext cx="2740451" cy="1370226"/>
+          </a:xfrm>
+          <a:prstGeom prst="rect">
+            <a:avLst/>
+          </a:prstGeom>
+        </p:spPr>
+      </p:pic>
     </p:spTree>
     <p:extLst>
       <p:ext uri="{BB962C8B-B14F-4D97-AF65-F5344CB8AC3E}">
@@ -13101,6 +13281,42 @@
           </a:p>
         </p:txBody>
       </p:sp>
+      <p:pic>
+        <p:nvPicPr>
+          <p:cNvPr id="4" name="Рисунок 3">
+            <a:extLst>
+              <a:ext uri="{FF2B5EF4-FFF2-40B4-BE49-F238E27FC236}">
+                <a16:creationId xmlns:a16="http://schemas.microsoft.com/office/drawing/2014/main" id="{F20DE642-DEE5-4201-8CAF-686F26BAAD19}"/>
+              </a:ext>
+            </a:extLst>
+          </p:cNvPr>
+          <p:cNvPicPr>
+            <a:picLocks noChangeAspect="1"/>
+          </p:cNvPicPr>
+          <p:nvPr/>
+        </p:nvPicPr>
+        <p:blipFill>
+          <a:blip r:embed="rId2">
+            <a:extLst>
+              <a:ext uri="{28A0092B-C50C-407E-A947-70E740481C1C}">
+                <a14:useLocalDpi xmlns:a14="http://schemas.microsoft.com/office/drawing/2010/main" val="0"/>
+              </a:ext>
+            </a:extLst>
+          </a:blip>
+          <a:stretch>
+            <a:fillRect/>
+          </a:stretch>
+        </p:blipFill>
+        <p:spPr>
+          <a:xfrm>
+            <a:off x="9451549" y="0"/>
+            <a:ext cx="2740451" cy="1370226"/>
+          </a:xfrm>
+          <a:prstGeom prst="rect">
+            <a:avLst/>
+          </a:prstGeom>
+        </p:spPr>
+      </p:pic>
     </p:spTree>
     <p:extLst>
       <p:ext uri="{BB962C8B-B14F-4D97-AF65-F5344CB8AC3E}">
@@ -13199,6 +13415,42 @@
           </a:p>
         </p:txBody>
       </p:sp>
+      <p:pic>
+        <p:nvPicPr>
+          <p:cNvPr id="4" name="Рисунок 3">
+            <a:extLst>
+              <a:ext uri="{FF2B5EF4-FFF2-40B4-BE49-F238E27FC236}">
+                <a16:creationId xmlns:a16="http://schemas.microsoft.com/office/drawing/2014/main" id="{1548B75F-0EE5-4FEF-AC5C-2C546AD9614A}"/>
+              </a:ext>
+            </a:extLst>
+          </p:cNvPr>
+          <p:cNvPicPr>
+            <a:picLocks noChangeAspect="1"/>
+          </p:cNvPicPr>
+          <p:nvPr/>
+        </p:nvPicPr>
+        <p:blipFill>
+          <a:blip r:embed="rId2">
+            <a:extLst>
+              <a:ext uri="{28A0092B-C50C-407E-A947-70E740481C1C}">
+                <a14:useLocalDpi xmlns:a14="http://schemas.microsoft.com/office/drawing/2010/main" val="0"/>
+              </a:ext>
+            </a:extLst>
+          </a:blip>
+          <a:stretch>
+            <a:fillRect/>
+          </a:stretch>
+        </p:blipFill>
+        <p:spPr>
+          <a:xfrm>
+            <a:off x="9451549" y="0"/>
+            <a:ext cx="2740451" cy="1370226"/>
+          </a:xfrm>
+          <a:prstGeom prst="rect">
+            <a:avLst/>
+          </a:prstGeom>
+        </p:spPr>
+      </p:pic>
     </p:spTree>
     <p:extLst>
       <p:ext uri="{BB962C8B-B14F-4D97-AF65-F5344CB8AC3E}">
